--- a/DB/DB_Project/Image/E-RD.pptx
+++ b/DB/DB_Project/Image/E-RD.pptx
@@ -3348,19 +3348,17 @@
           </a:prstGeom>
         </p:spPr>
         <p:style>
-          <a:lnRef idx="2">
-            <a:schemeClr val="accent1">
-              <a:shade val="50000"/>
-            </a:schemeClr>
-          </a:lnRef>
-          <a:fillRef idx="1">
-            <a:schemeClr val="accent1"/>
-          </a:fillRef>
-          <a:effectRef idx="0">
-            <a:schemeClr val="accent1"/>
-          </a:effectRef>
-          <a:fontRef idx="minor">
-            <a:schemeClr val="lt1"/>
+          <a:lnRef idx="1">
+            <a:schemeClr val="accent3"/>
+          </a:lnRef>
+          <a:fillRef idx="2">
+            <a:schemeClr val="accent3"/>
+          </a:fillRef>
+          <a:effectRef idx="1">
+            <a:schemeClr val="accent3"/>
+          </a:effectRef>
+          <a:fontRef idx="minor">
+            <a:schemeClr val="dk1"/>
           </a:fontRef>
         </p:style>
         <p:txBody>
@@ -3397,19 +3395,17 @@
           </a:prstGeom>
         </p:spPr>
         <p:style>
-          <a:lnRef idx="2">
-            <a:schemeClr val="accent1">
-              <a:shade val="50000"/>
-            </a:schemeClr>
-          </a:lnRef>
-          <a:fillRef idx="1">
-            <a:schemeClr val="accent1"/>
-          </a:fillRef>
-          <a:effectRef idx="0">
-            <a:schemeClr val="accent1"/>
-          </a:effectRef>
-          <a:fontRef idx="minor">
-            <a:schemeClr val="lt1"/>
+          <a:lnRef idx="1">
+            <a:schemeClr val="accent3"/>
+          </a:lnRef>
+          <a:fillRef idx="2">
+            <a:schemeClr val="accent3"/>
+          </a:fillRef>
+          <a:effectRef idx="1">
+            <a:schemeClr val="accent3"/>
+          </a:effectRef>
+          <a:fontRef idx="minor">
+            <a:schemeClr val="dk1"/>
           </a:fontRef>
         </p:style>
         <p:txBody>
@@ -3446,19 +3442,17 @@
           </a:prstGeom>
         </p:spPr>
         <p:style>
-          <a:lnRef idx="2">
-            <a:schemeClr val="accent1">
-              <a:shade val="50000"/>
-            </a:schemeClr>
-          </a:lnRef>
-          <a:fillRef idx="1">
-            <a:schemeClr val="accent1"/>
-          </a:fillRef>
-          <a:effectRef idx="0">
-            <a:schemeClr val="accent1"/>
-          </a:effectRef>
-          <a:fontRef idx="minor">
-            <a:schemeClr val="lt1"/>
+          <a:lnRef idx="1">
+            <a:schemeClr val="accent3"/>
+          </a:lnRef>
+          <a:fillRef idx="2">
+            <a:schemeClr val="accent3"/>
+          </a:fillRef>
+          <a:effectRef idx="1">
+            <a:schemeClr val="accent3"/>
+          </a:effectRef>
+          <a:fontRef idx="minor">
+            <a:schemeClr val="dk1"/>
           </a:fontRef>
         </p:style>
         <p:txBody>
@@ -3496,19 +3490,17 @@
           </a:prstGeom>
         </p:spPr>
         <p:style>
-          <a:lnRef idx="2">
-            <a:schemeClr val="accent1">
-              <a:shade val="50000"/>
-            </a:schemeClr>
-          </a:lnRef>
-          <a:fillRef idx="1">
-            <a:schemeClr val="accent1"/>
-          </a:fillRef>
-          <a:effectRef idx="0">
-            <a:schemeClr val="accent1"/>
-          </a:effectRef>
-          <a:fontRef idx="minor">
-            <a:schemeClr val="lt1"/>
+          <a:lnRef idx="1">
+            <a:schemeClr val="accent3"/>
+          </a:lnRef>
+          <a:fillRef idx="2">
+            <a:schemeClr val="accent3"/>
+          </a:fillRef>
+          <a:effectRef idx="1">
+            <a:schemeClr val="accent3"/>
+          </a:effectRef>
+          <a:fontRef idx="minor">
+            <a:schemeClr val="dk1"/>
           </a:fontRef>
         </p:style>
         <p:txBody>
@@ -3545,19 +3537,17 @@
           </a:prstGeom>
         </p:spPr>
         <p:style>
-          <a:lnRef idx="2">
-            <a:schemeClr val="accent1">
-              <a:shade val="50000"/>
-            </a:schemeClr>
-          </a:lnRef>
-          <a:fillRef idx="1">
-            <a:schemeClr val="accent1"/>
-          </a:fillRef>
-          <a:effectRef idx="0">
-            <a:schemeClr val="accent1"/>
-          </a:effectRef>
-          <a:fontRef idx="minor">
-            <a:schemeClr val="lt1"/>
+          <a:lnRef idx="1">
+            <a:schemeClr val="accent3"/>
+          </a:lnRef>
+          <a:fillRef idx="2">
+            <a:schemeClr val="accent3"/>
+          </a:fillRef>
+          <a:effectRef idx="1">
+            <a:schemeClr val="accent3"/>
+          </a:effectRef>
+          <a:fontRef idx="minor">
+            <a:schemeClr val="dk1"/>
           </a:fontRef>
         </p:style>
         <p:txBody>
@@ -3594,19 +3584,17 @@
           </a:prstGeom>
         </p:spPr>
         <p:style>
-          <a:lnRef idx="2">
-            <a:schemeClr val="accent1">
-              <a:shade val="50000"/>
-            </a:schemeClr>
-          </a:lnRef>
-          <a:fillRef idx="1">
-            <a:schemeClr val="accent1"/>
-          </a:fillRef>
-          <a:effectRef idx="0">
-            <a:schemeClr val="accent1"/>
-          </a:effectRef>
-          <a:fontRef idx="minor">
-            <a:schemeClr val="lt1"/>
+          <a:lnRef idx="1">
+            <a:schemeClr val="accent3"/>
+          </a:lnRef>
+          <a:fillRef idx="2">
+            <a:schemeClr val="accent3"/>
+          </a:fillRef>
+          <a:effectRef idx="1">
+            <a:schemeClr val="accent3"/>
+          </a:effectRef>
+          <a:fontRef idx="minor">
+            <a:schemeClr val="dk1"/>
           </a:fontRef>
         </p:style>
         <p:txBody>
@@ -3643,19 +3631,17 @@
           </a:prstGeom>
         </p:spPr>
         <p:style>
-          <a:lnRef idx="2">
-            <a:schemeClr val="accent1">
-              <a:shade val="50000"/>
-            </a:schemeClr>
-          </a:lnRef>
-          <a:fillRef idx="1">
-            <a:schemeClr val="accent1"/>
-          </a:fillRef>
-          <a:effectRef idx="0">
-            <a:schemeClr val="accent1"/>
-          </a:effectRef>
-          <a:fontRef idx="minor">
-            <a:schemeClr val="lt1"/>
+          <a:lnRef idx="1">
+            <a:schemeClr val="accent3"/>
+          </a:lnRef>
+          <a:fillRef idx="2">
+            <a:schemeClr val="accent3"/>
+          </a:fillRef>
+          <a:effectRef idx="1">
+            <a:schemeClr val="accent3"/>
+          </a:effectRef>
+          <a:fontRef idx="minor">
+            <a:schemeClr val="dk1"/>
           </a:fontRef>
         </p:style>
         <p:txBody>
@@ -3697,16 +3683,16 @@
         </p:spPr>
         <p:style>
           <a:lnRef idx="1">
-            <a:schemeClr val="accent1"/>
-          </a:lnRef>
-          <a:fillRef idx="0">
-            <a:schemeClr val="accent1"/>
-          </a:fillRef>
-          <a:effectRef idx="0">
-            <a:schemeClr val="accent1"/>
-          </a:effectRef>
-          <a:fontRef idx="minor">
-            <a:schemeClr val="tx1"/>
+            <a:schemeClr val="accent3"/>
+          </a:lnRef>
+          <a:fillRef idx="2">
+            <a:schemeClr val="accent3"/>
+          </a:fillRef>
+          <a:effectRef idx="1">
+            <a:schemeClr val="accent3"/>
+          </a:effectRef>
+          <a:fontRef idx="minor">
+            <a:schemeClr val="dk1"/>
           </a:fontRef>
         </p:style>
       </p:cxnSp>
@@ -3737,16 +3723,16 @@
         </p:spPr>
         <p:style>
           <a:lnRef idx="1">
-            <a:schemeClr val="accent1"/>
-          </a:lnRef>
-          <a:fillRef idx="0">
-            <a:schemeClr val="accent1"/>
-          </a:fillRef>
-          <a:effectRef idx="0">
-            <a:schemeClr val="accent1"/>
-          </a:effectRef>
-          <a:fontRef idx="minor">
-            <a:schemeClr val="tx1"/>
+            <a:schemeClr val="accent3"/>
+          </a:lnRef>
+          <a:fillRef idx="2">
+            <a:schemeClr val="accent3"/>
+          </a:fillRef>
+          <a:effectRef idx="1">
+            <a:schemeClr val="accent3"/>
+          </a:effectRef>
+          <a:fontRef idx="minor">
+            <a:schemeClr val="dk1"/>
           </a:fontRef>
         </p:style>
       </p:cxnSp>
@@ -3777,16 +3763,16 @@
         </p:spPr>
         <p:style>
           <a:lnRef idx="1">
-            <a:schemeClr val="accent1"/>
-          </a:lnRef>
-          <a:fillRef idx="0">
-            <a:schemeClr val="accent1"/>
-          </a:fillRef>
-          <a:effectRef idx="0">
-            <a:schemeClr val="accent1"/>
-          </a:effectRef>
-          <a:fontRef idx="minor">
-            <a:schemeClr val="tx1"/>
+            <a:schemeClr val="accent3"/>
+          </a:lnRef>
+          <a:fillRef idx="2">
+            <a:schemeClr val="accent3"/>
+          </a:fillRef>
+          <a:effectRef idx="1">
+            <a:schemeClr val="accent3"/>
+          </a:effectRef>
+          <a:fontRef idx="minor">
+            <a:schemeClr val="dk1"/>
           </a:fontRef>
         </p:style>
       </p:cxnSp>
@@ -3817,16 +3803,16 @@
         </p:spPr>
         <p:style>
           <a:lnRef idx="1">
-            <a:schemeClr val="accent1"/>
-          </a:lnRef>
-          <a:fillRef idx="0">
-            <a:schemeClr val="accent1"/>
-          </a:fillRef>
-          <a:effectRef idx="0">
-            <a:schemeClr val="accent1"/>
-          </a:effectRef>
-          <a:fontRef idx="minor">
-            <a:schemeClr val="tx1"/>
+            <a:schemeClr val="accent3"/>
+          </a:lnRef>
+          <a:fillRef idx="2">
+            <a:schemeClr val="accent3"/>
+          </a:fillRef>
+          <a:effectRef idx="1">
+            <a:schemeClr val="accent3"/>
+          </a:effectRef>
+          <a:fontRef idx="minor">
+            <a:schemeClr val="dk1"/>
           </a:fontRef>
         </p:style>
       </p:cxnSp>
@@ -3852,19 +3838,17 @@
           </a:prstGeom>
         </p:spPr>
         <p:style>
-          <a:lnRef idx="2">
-            <a:schemeClr val="accent1">
-              <a:shade val="50000"/>
-            </a:schemeClr>
-          </a:lnRef>
-          <a:fillRef idx="1">
-            <a:schemeClr val="accent1"/>
-          </a:fillRef>
-          <a:effectRef idx="0">
-            <a:schemeClr val="accent1"/>
-          </a:effectRef>
-          <a:fontRef idx="minor">
-            <a:schemeClr val="lt1"/>
+          <a:lnRef idx="1">
+            <a:schemeClr val="accent3"/>
+          </a:lnRef>
+          <a:fillRef idx="2">
+            <a:schemeClr val="accent3"/>
+          </a:fillRef>
+          <a:effectRef idx="1">
+            <a:schemeClr val="accent3"/>
+          </a:effectRef>
+          <a:fontRef idx="minor">
+            <a:schemeClr val="dk1"/>
           </a:fontRef>
         </p:style>
         <p:txBody>
@@ -3905,16 +3889,16 @@
         </p:spPr>
         <p:style>
           <a:lnRef idx="1">
-            <a:schemeClr val="accent1"/>
-          </a:lnRef>
-          <a:fillRef idx="0">
-            <a:schemeClr val="accent1"/>
-          </a:fillRef>
-          <a:effectRef idx="0">
-            <a:schemeClr val="accent1"/>
-          </a:effectRef>
-          <a:fontRef idx="minor">
-            <a:schemeClr val="tx1"/>
+            <a:schemeClr val="accent3"/>
+          </a:lnRef>
+          <a:fillRef idx="2">
+            <a:schemeClr val="accent3"/>
+          </a:fillRef>
+          <a:effectRef idx="1">
+            <a:schemeClr val="accent3"/>
+          </a:effectRef>
+          <a:fontRef idx="minor">
+            <a:schemeClr val="dk1"/>
           </a:fontRef>
         </p:style>
       </p:cxnSp>
@@ -3940,19 +3924,17 @@
           </a:prstGeom>
         </p:spPr>
         <p:style>
-          <a:lnRef idx="2">
-            <a:schemeClr val="accent1">
-              <a:shade val="50000"/>
-            </a:schemeClr>
-          </a:lnRef>
-          <a:fillRef idx="1">
-            <a:schemeClr val="accent1"/>
-          </a:fillRef>
-          <a:effectRef idx="0">
-            <a:schemeClr val="accent1"/>
-          </a:effectRef>
-          <a:fontRef idx="minor">
-            <a:schemeClr val="lt1"/>
+          <a:lnRef idx="1">
+            <a:schemeClr val="accent3"/>
+          </a:lnRef>
+          <a:fillRef idx="2">
+            <a:schemeClr val="accent3"/>
+          </a:fillRef>
+          <a:effectRef idx="1">
+            <a:schemeClr val="accent3"/>
+          </a:effectRef>
+          <a:fontRef idx="minor">
+            <a:schemeClr val="dk1"/>
           </a:fontRef>
         </p:style>
         <p:txBody>
@@ -3989,19 +3971,17 @@
           </a:prstGeom>
         </p:spPr>
         <p:style>
-          <a:lnRef idx="2">
-            <a:schemeClr val="accent1">
-              <a:shade val="50000"/>
-            </a:schemeClr>
-          </a:lnRef>
-          <a:fillRef idx="1">
-            <a:schemeClr val="accent1"/>
-          </a:fillRef>
-          <a:effectRef idx="0">
-            <a:schemeClr val="accent1"/>
-          </a:effectRef>
-          <a:fontRef idx="minor">
-            <a:schemeClr val="lt1"/>
+          <a:lnRef idx="1">
+            <a:schemeClr val="accent3"/>
+          </a:lnRef>
+          <a:fillRef idx="2">
+            <a:schemeClr val="accent3"/>
+          </a:fillRef>
+          <a:effectRef idx="1">
+            <a:schemeClr val="accent3"/>
+          </a:effectRef>
+          <a:fontRef idx="minor">
+            <a:schemeClr val="dk1"/>
           </a:fontRef>
         </p:style>
         <p:txBody>
@@ -4038,19 +4018,17 @@
           </a:prstGeom>
         </p:spPr>
         <p:style>
-          <a:lnRef idx="2">
-            <a:schemeClr val="accent1">
-              <a:shade val="50000"/>
-            </a:schemeClr>
-          </a:lnRef>
-          <a:fillRef idx="1">
-            <a:schemeClr val="accent1"/>
-          </a:fillRef>
-          <a:effectRef idx="0">
-            <a:schemeClr val="accent1"/>
-          </a:effectRef>
-          <a:fontRef idx="minor">
-            <a:schemeClr val="lt1"/>
+          <a:lnRef idx="1">
+            <a:schemeClr val="accent3"/>
+          </a:lnRef>
+          <a:fillRef idx="2">
+            <a:schemeClr val="accent3"/>
+          </a:fillRef>
+          <a:effectRef idx="1">
+            <a:schemeClr val="accent3"/>
+          </a:effectRef>
+          <a:fontRef idx="minor">
+            <a:schemeClr val="dk1"/>
           </a:fontRef>
         </p:style>
         <p:txBody>
@@ -4092,16 +4070,16 @@
         </p:spPr>
         <p:style>
           <a:lnRef idx="1">
-            <a:schemeClr val="accent1"/>
-          </a:lnRef>
-          <a:fillRef idx="0">
-            <a:schemeClr val="accent1"/>
-          </a:fillRef>
-          <a:effectRef idx="0">
-            <a:schemeClr val="accent1"/>
-          </a:effectRef>
-          <a:fontRef idx="minor">
-            <a:schemeClr val="tx1"/>
+            <a:schemeClr val="accent3"/>
+          </a:lnRef>
+          <a:fillRef idx="2">
+            <a:schemeClr val="accent3"/>
+          </a:fillRef>
+          <a:effectRef idx="1">
+            <a:schemeClr val="accent3"/>
+          </a:effectRef>
+          <a:fontRef idx="minor">
+            <a:schemeClr val="dk1"/>
           </a:fontRef>
         </p:style>
       </p:cxnSp>
@@ -4132,16 +4110,16 @@
         </p:spPr>
         <p:style>
           <a:lnRef idx="1">
-            <a:schemeClr val="accent1"/>
-          </a:lnRef>
-          <a:fillRef idx="0">
-            <a:schemeClr val="accent1"/>
-          </a:fillRef>
-          <a:effectRef idx="0">
-            <a:schemeClr val="accent1"/>
-          </a:effectRef>
-          <a:fontRef idx="minor">
-            <a:schemeClr val="tx1"/>
+            <a:schemeClr val="accent3"/>
+          </a:lnRef>
+          <a:fillRef idx="2">
+            <a:schemeClr val="accent3"/>
+          </a:fillRef>
+          <a:effectRef idx="1">
+            <a:schemeClr val="accent3"/>
+          </a:effectRef>
+          <a:fontRef idx="minor">
+            <a:schemeClr val="dk1"/>
           </a:fontRef>
         </p:style>
       </p:cxnSp>
@@ -4171,16 +4149,16 @@
         </p:spPr>
         <p:style>
           <a:lnRef idx="1">
-            <a:schemeClr val="accent1"/>
-          </a:lnRef>
-          <a:fillRef idx="0">
-            <a:schemeClr val="accent1"/>
-          </a:fillRef>
-          <a:effectRef idx="0">
-            <a:schemeClr val="accent1"/>
-          </a:effectRef>
-          <a:fontRef idx="minor">
-            <a:schemeClr val="tx1"/>
+            <a:schemeClr val="accent3"/>
+          </a:lnRef>
+          <a:fillRef idx="2">
+            <a:schemeClr val="accent3"/>
+          </a:fillRef>
+          <a:effectRef idx="1">
+            <a:schemeClr val="accent3"/>
+          </a:effectRef>
+          <a:fontRef idx="minor">
+            <a:schemeClr val="dk1"/>
           </a:fontRef>
         </p:style>
       </p:cxnSp>
@@ -4205,7 +4183,24 @@
             <a:avLst/>
           </a:prstGeom>
           <a:noFill/>
-        </p:spPr>
+          <a:ln>
+            <a:noFill/>
+          </a:ln>
+        </p:spPr>
+        <p:style>
+          <a:lnRef idx="0">
+            <a:scrgbClr r="0" g="0" b="0"/>
+          </a:lnRef>
+          <a:fillRef idx="0">
+            <a:scrgbClr r="0" g="0" b="0"/>
+          </a:fillRef>
+          <a:effectRef idx="0">
+            <a:scrgbClr r="0" g="0" b="0"/>
+          </a:effectRef>
+          <a:fontRef idx="minor">
+            <a:schemeClr val="dk1"/>
+          </a:fontRef>
+        </p:style>
         <p:txBody>
           <a:bodyPr wrap="square" rtlCol="0">
             <a:spAutoFit/>
@@ -4234,14 +4229,31 @@
         </p:nvSpPr>
         <p:spPr>
           <a:xfrm>
-            <a:off x="5387128" y="2186085"/>
+            <a:off x="5476579" y="2176146"/>
             <a:ext cx="278720" cy="276999"/>
           </a:xfrm>
           <a:prstGeom prst="rect">
             <a:avLst/>
           </a:prstGeom>
           <a:noFill/>
-        </p:spPr>
+          <a:ln>
+            <a:noFill/>
+          </a:ln>
+        </p:spPr>
+        <p:style>
+          <a:lnRef idx="0">
+            <a:scrgbClr r="0" g="0" b="0"/>
+          </a:lnRef>
+          <a:fillRef idx="0">
+            <a:scrgbClr r="0" g="0" b="0"/>
+          </a:fillRef>
+          <a:effectRef idx="0">
+            <a:scrgbClr r="0" g="0" b="0"/>
+          </a:effectRef>
+          <a:fontRef idx="minor">
+            <a:schemeClr val="dk1"/>
+          </a:fontRef>
+        </p:style>
         <p:txBody>
           <a:bodyPr wrap="square" rtlCol="0">
             <a:spAutoFit/>
@@ -4277,19 +4289,17 @@
           </a:prstGeom>
         </p:spPr>
         <p:style>
-          <a:lnRef idx="2">
-            <a:schemeClr val="accent1">
-              <a:shade val="50000"/>
-            </a:schemeClr>
-          </a:lnRef>
-          <a:fillRef idx="1">
-            <a:schemeClr val="accent1"/>
-          </a:fillRef>
-          <a:effectRef idx="0">
-            <a:schemeClr val="accent1"/>
-          </a:effectRef>
-          <a:fontRef idx="minor">
-            <a:schemeClr val="lt1"/>
+          <a:lnRef idx="1">
+            <a:schemeClr val="accent3"/>
+          </a:lnRef>
+          <a:fillRef idx="2">
+            <a:schemeClr val="accent3"/>
+          </a:fillRef>
+          <a:effectRef idx="1">
+            <a:schemeClr val="accent3"/>
+          </a:effectRef>
+          <a:fontRef idx="minor">
+            <a:schemeClr val="dk1"/>
           </a:fontRef>
         </p:style>
         <p:txBody>
@@ -4326,19 +4336,17 @@
           </a:prstGeom>
         </p:spPr>
         <p:style>
-          <a:lnRef idx="2">
-            <a:schemeClr val="accent1">
-              <a:shade val="50000"/>
-            </a:schemeClr>
-          </a:lnRef>
-          <a:fillRef idx="1">
-            <a:schemeClr val="accent1"/>
-          </a:fillRef>
-          <a:effectRef idx="0">
-            <a:schemeClr val="accent1"/>
-          </a:effectRef>
-          <a:fontRef idx="minor">
-            <a:schemeClr val="lt1"/>
+          <a:lnRef idx="1">
+            <a:schemeClr val="accent3"/>
+          </a:lnRef>
+          <a:fillRef idx="2">
+            <a:schemeClr val="accent3"/>
+          </a:fillRef>
+          <a:effectRef idx="1">
+            <a:schemeClr val="accent3"/>
+          </a:effectRef>
+          <a:fontRef idx="minor">
+            <a:schemeClr val="dk1"/>
           </a:fontRef>
         </p:style>
         <p:txBody>
@@ -4375,19 +4383,17 @@
           </a:prstGeom>
         </p:spPr>
         <p:style>
-          <a:lnRef idx="2">
-            <a:schemeClr val="accent1">
-              <a:shade val="50000"/>
-            </a:schemeClr>
-          </a:lnRef>
-          <a:fillRef idx="1">
-            <a:schemeClr val="accent1"/>
-          </a:fillRef>
-          <a:effectRef idx="0">
-            <a:schemeClr val="accent1"/>
-          </a:effectRef>
-          <a:fontRef idx="minor">
-            <a:schemeClr val="lt1"/>
+          <a:lnRef idx="1">
+            <a:schemeClr val="accent3"/>
+          </a:lnRef>
+          <a:fillRef idx="2">
+            <a:schemeClr val="accent3"/>
+          </a:fillRef>
+          <a:effectRef idx="1">
+            <a:schemeClr val="accent3"/>
+          </a:effectRef>
+          <a:fontRef idx="minor">
+            <a:schemeClr val="dk1"/>
           </a:fontRef>
         </p:style>
         <p:txBody>
@@ -4429,16 +4435,16 @@
         </p:spPr>
         <p:style>
           <a:lnRef idx="1">
-            <a:schemeClr val="accent1"/>
-          </a:lnRef>
-          <a:fillRef idx="0">
-            <a:schemeClr val="accent1"/>
-          </a:fillRef>
-          <a:effectRef idx="0">
-            <a:schemeClr val="accent1"/>
-          </a:effectRef>
-          <a:fontRef idx="minor">
-            <a:schemeClr val="tx1"/>
+            <a:schemeClr val="accent3"/>
+          </a:lnRef>
+          <a:fillRef idx="2">
+            <a:schemeClr val="accent3"/>
+          </a:fillRef>
+          <a:effectRef idx="1">
+            <a:schemeClr val="accent3"/>
+          </a:effectRef>
+          <a:fontRef idx="minor">
+            <a:schemeClr val="dk1"/>
           </a:fontRef>
         </p:style>
       </p:cxnSp>
@@ -4469,16 +4475,16 @@
         </p:spPr>
         <p:style>
           <a:lnRef idx="1">
-            <a:schemeClr val="accent1"/>
-          </a:lnRef>
-          <a:fillRef idx="0">
-            <a:schemeClr val="accent1"/>
-          </a:fillRef>
-          <a:effectRef idx="0">
-            <a:schemeClr val="accent1"/>
-          </a:effectRef>
-          <a:fontRef idx="minor">
-            <a:schemeClr val="tx1"/>
+            <a:schemeClr val="accent3"/>
+          </a:lnRef>
+          <a:fillRef idx="2">
+            <a:schemeClr val="accent3"/>
+          </a:fillRef>
+          <a:effectRef idx="1">
+            <a:schemeClr val="accent3"/>
+          </a:effectRef>
+          <a:fontRef idx="minor">
+            <a:schemeClr val="dk1"/>
           </a:fontRef>
         </p:style>
       </p:cxnSp>
@@ -4504,19 +4510,17 @@
           </a:prstGeom>
         </p:spPr>
         <p:style>
-          <a:lnRef idx="2">
-            <a:schemeClr val="accent1">
-              <a:shade val="50000"/>
-            </a:schemeClr>
-          </a:lnRef>
-          <a:fillRef idx="1">
-            <a:schemeClr val="accent1"/>
-          </a:fillRef>
-          <a:effectRef idx="0">
-            <a:schemeClr val="accent1"/>
-          </a:effectRef>
-          <a:fontRef idx="minor">
-            <a:schemeClr val="lt1"/>
+          <a:lnRef idx="1">
+            <a:schemeClr val="accent3"/>
+          </a:lnRef>
+          <a:fillRef idx="2">
+            <a:schemeClr val="accent3"/>
+          </a:fillRef>
+          <a:effectRef idx="1">
+            <a:schemeClr val="accent3"/>
+          </a:effectRef>
+          <a:fontRef idx="minor">
+            <a:schemeClr val="dk1"/>
           </a:fontRef>
         </p:style>
         <p:txBody>
@@ -4553,19 +4557,17 @@
           </a:prstGeom>
         </p:spPr>
         <p:style>
-          <a:lnRef idx="2">
-            <a:schemeClr val="accent1">
-              <a:shade val="50000"/>
-            </a:schemeClr>
-          </a:lnRef>
-          <a:fillRef idx="1">
-            <a:schemeClr val="accent1"/>
-          </a:fillRef>
-          <a:effectRef idx="0">
-            <a:schemeClr val="accent1"/>
-          </a:effectRef>
-          <a:fontRef idx="minor">
-            <a:schemeClr val="lt1"/>
+          <a:lnRef idx="1">
+            <a:schemeClr val="accent3"/>
+          </a:lnRef>
+          <a:fillRef idx="2">
+            <a:schemeClr val="accent3"/>
+          </a:fillRef>
+          <a:effectRef idx="1">
+            <a:schemeClr val="accent3"/>
+          </a:effectRef>
+          <a:fontRef idx="minor">
+            <a:schemeClr val="dk1"/>
           </a:fontRef>
         </p:style>
         <p:txBody>
@@ -4602,19 +4604,17 @@
           </a:prstGeom>
         </p:spPr>
         <p:style>
-          <a:lnRef idx="2">
-            <a:schemeClr val="accent1">
-              <a:shade val="50000"/>
-            </a:schemeClr>
-          </a:lnRef>
-          <a:fillRef idx="1">
-            <a:schemeClr val="accent1"/>
-          </a:fillRef>
-          <a:effectRef idx="0">
-            <a:schemeClr val="accent1"/>
-          </a:effectRef>
-          <a:fontRef idx="minor">
-            <a:schemeClr val="lt1"/>
+          <a:lnRef idx="1">
+            <a:schemeClr val="accent3"/>
+          </a:lnRef>
+          <a:fillRef idx="2">
+            <a:schemeClr val="accent3"/>
+          </a:fillRef>
+          <a:effectRef idx="1">
+            <a:schemeClr val="accent3"/>
+          </a:effectRef>
+          <a:fontRef idx="minor">
+            <a:schemeClr val="dk1"/>
           </a:fontRef>
         </p:style>
         <p:txBody>
@@ -4656,16 +4656,16 @@
         </p:spPr>
         <p:style>
           <a:lnRef idx="1">
-            <a:schemeClr val="accent1"/>
-          </a:lnRef>
-          <a:fillRef idx="0">
-            <a:schemeClr val="accent1"/>
-          </a:fillRef>
-          <a:effectRef idx="0">
-            <a:schemeClr val="accent1"/>
-          </a:effectRef>
-          <a:fontRef idx="minor">
-            <a:schemeClr val="tx1"/>
+            <a:schemeClr val="accent3"/>
+          </a:lnRef>
+          <a:fillRef idx="2">
+            <a:schemeClr val="accent3"/>
+          </a:fillRef>
+          <a:effectRef idx="1">
+            <a:schemeClr val="accent3"/>
+          </a:effectRef>
+          <a:fontRef idx="minor">
+            <a:schemeClr val="dk1"/>
           </a:fontRef>
         </p:style>
       </p:cxnSp>
@@ -4696,16 +4696,16 @@
         </p:spPr>
         <p:style>
           <a:lnRef idx="1">
-            <a:schemeClr val="accent1"/>
-          </a:lnRef>
-          <a:fillRef idx="0">
-            <a:schemeClr val="accent1"/>
-          </a:fillRef>
-          <a:effectRef idx="0">
-            <a:schemeClr val="accent1"/>
-          </a:effectRef>
-          <a:fontRef idx="minor">
-            <a:schemeClr val="tx1"/>
+            <a:schemeClr val="accent3"/>
+          </a:lnRef>
+          <a:fillRef idx="2">
+            <a:schemeClr val="accent3"/>
+          </a:fillRef>
+          <a:effectRef idx="1">
+            <a:schemeClr val="accent3"/>
+          </a:effectRef>
+          <a:fontRef idx="minor">
+            <a:schemeClr val="dk1"/>
           </a:fontRef>
         </p:style>
       </p:cxnSp>
@@ -4736,16 +4736,16 @@
         </p:spPr>
         <p:style>
           <a:lnRef idx="1">
-            <a:schemeClr val="accent1"/>
-          </a:lnRef>
-          <a:fillRef idx="0">
-            <a:schemeClr val="accent1"/>
-          </a:fillRef>
-          <a:effectRef idx="0">
-            <a:schemeClr val="accent1"/>
-          </a:effectRef>
-          <a:fontRef idx="minor">
-            <a:schemeClr val="tx1"/>
+            <a:schemeClr val="accent3"/>
+          </a:lnRef>
+          <a:fillRef idx="2">
+            <a:schemeClr val="accent3"/>
+          </a:fillRef>
+          <a:effectRef idx="1">
+            <a:schemeClr val="accent3"/>
+          </a:effectRef>
+          <a:fontRef idx="minor">
+            <a:schemeClr val="dk1"/>
           </a:fontRef>
         </p:style>
       </p:cxnSp>
@@ -4776,16 +4776,16 @@
         </p:spPr>
         <p:style>
           <a:lnRef idx="1">
-            <a:schemeClr val="accent1"/>
-          </a:lnRef>
-          <a:fillRef idx="0">
-            <a:schemeClr val="accent1"/>
-          </a:fillRef>
-          <a:effectRef idx="0">
-            <a:schemeClr val="accent1"/>
-          </a:effectRef>
-          <a:fontRef idx="minor">
-            <a:schemeClr val="tx1"/>
+            <a:schemeClr val="accent3"/>
+          </a:lnRef>
+          <a:fillRef idx="2">
+            <a:schemeClr val="accent3"/>
+          </a:fillRef>
+          <a:effectRef idx="1">
+            <a:schemeClr val="accent3"/>
+          </a:effectRef>
+          <a:fontRef idx="minor">
+            <a:schemeClr val="dk1"/>
           </a:fontRef>
         </p:style>
       </p:cxnSp>
@@ -4816,16 +4816,16 @@
         </p:spPr>
         <p:style>
           <a:lnRef idx="1">
-            <a:schemeClr val="accent1"/>
-          </a:lnRef>
-          <a:fillRef idx="0">
-            <a:schemeClr val="accent1"/>
-          </a:fillRef>
-          <a:effectRef idx="0">
-            <a:schemeClr val="accent1"/>
-          </a:effectRef>
-          <a:fontRef idx="minor">
-            <a:schemeClr val="tx1"/>
+            <a:schemeClr val="accent3"/>
+          </a:lnRef>
+          <a:fillRef idx="2">
+            <a:schemeClr val="accent3"/>
+          </a:fillRef>
+          <a:effectRef idx="1">
+            <a:schemeClr val="accent3"/>
+          </a:effectRef>
+          <a:fontRef idx="minor">
+            <a:schemeClr val="dk1"/>
           </a:fontRef>
         </p:style>
       </p:cxnSp>
@@ -4850,7 +4850,24 @@
             <a:avLst/>
           </a:prstGeom>
           <a:noFill/>
-        </p:spPr>
+          <a:ln>
+            <a:noFill/>
+          </a:ln>
+        </p:spPr>
+        <p:style>
+          <a:lnRef idx="0">
+            <a:scrgbClr r="0" g="0" b="0"/>
+          </a:lnRef>
+          <a:fillRef idx="0">
+            <a:scrgbClr r="0" g="0" b="0"/>
+          </a:fillRef>
+          <a:effectRef idx="0">
+            <a:scrgbClr r="0" g="0" b="0"/>
+          </a:effectRef>
+          <a:fontRef idx="minor">
+            <a:schemeClr val="dk1"/>
+          </a:fontRef>
+        </p:style>
         <p:txBody>
           <a:bodyPr wrap="square" rtlCol="0">
             <a:spAutoFit/>
@@ -4886,7 +4903,24 @@
             <a:avLst/>
           </a:prstGeom>
           <a:noFill/>
-        </p:spPr>
+          <a:ln>
+            <a:noFill/>
+          </a:ln>
+        </p:spPr>
+        <p:style>
+          <a:lnRef idx="0">
+            <a:scrgbClr r="0" g="0" b="0"/>
+          </a:lnRef>
+          <a:fillRef idx="0">
+            <a:scrgbClr r="0" g="0" b="0"/>
+          </a:fillRef>
+          <a:effectRef idx="0">
+            <a:scrgbClr r="0" g="0" b="0"/>
+          </a:effectRef>
+          <a:fontRef idx="minor">
+            <a:schemeClr val="dk1"/>
+          </a:fontRef>
+        </p:style>
         <p:txBody>
           <a:bodyPr wrap="square" rtlCol="0">
             <a:spAutoFit/>
@@ -4923,19 +4957,17 @@
           </a:prstGeom>
         </p:spPr>
         <p:style>
-          <a:lnRef idx="2">
-            <a:schemeClr val="accent1">
-              <a:shade val="50000"/>
-            </a:schemeClr>
-          </a:lnRef>
-          <a:fillRef idx="1">
-            <a:schemeClr val="accent1"/>
-          </a:fillRef>
-          <a:effectRef idx="0">
-            <a:schemeClr val="accent1"/>
-          </a:effectRef>
-          <a:fontRef idx="minor">
-            <a:schemeClr val="lt1"/>
+          <a:lnRef idx="1">
+            <a:schemeClr val="accent3"/>
+          </a:lnRef>
+          <a:fillRef idx="2">
+            <a:schemeClr val="accent3"/>
+          </a:fillRef>
+          <a:effectRef idx="1">
+            <a:schemeClr val="accent3"/>
+          </a:effectRef>
+          <a:fontRef idx="minor">
+            <a:schemeClr val="dk1"/>
           </a:fontRef>
         </p:style>
         <p:txBody>
@@ -4977,16 +5009,16 @@
         </p:spPr>
         <p:style>
           <a:lnRef idx="1">
-            <a:schemeClr val="accent1"/>
-          </a:lnRef>
-          <a:fillRef idx="0">
-            <a:schemeClr val="accent1"/>
-          </a:fillRef>
-          <a:effectRef idx="0">
-            <a:schemeClr val="accent1"/>
-          </a:effectRef>
-          <a:fontRef idx="minor">
-            <a:schemeClr val="tx1"/>
+            <a:schemeClr val="accent3"/>
+          </a:lnRef>
+          <a:fillRef idx="2">
+            <a:schemeClr val="accent3"/>
+          </a:fillRef>
+          <a:effectRef idx="1">
+            <a:schemeClr val="accent3"/>
+          </a:effectRef>
+          <a:fontRef idx="minor">
+            <a:schemeClr val="dk1"/>
           </a:fontRef>
         </p:style>
       </p:cxnSp>
@@ -5012,19 +5044,17 @@
           </a:prstGeom>
         </p:spPr>
         <p:style>
-          <a:lnRef idx="2">
-            <a:schemeClr val="accent1">
-              <a:shade val="50000"/>
-            </a:schemeClr>
-          </a:lnRef>
-          <a:fillRef idx="1">
-            <a:schemeClr val="accent1"/>
-          </a:fillRef>
-          <a:effectRef idx="0">
-            <a:schemeClr val="accent1"/>
-          </a:effectRef>
-          <a:fontRef idx="minor">
-            <a:schemeClr val="lt1"/>
+          <a:lnRef idx="1">
+            <a:schemeClr val="accent3"/>
+          </a:lnRef>
+          <a:fillRef idx="2">
+            <a:schemeClr val="accent3"/>
+          </a:fillRef>
+          <a:effectRef idx="1">
+            <a:schemeClr val="accent3"/>
+          </a:effectRef>
+          <a:fontRef idx="minor">
+            <a:schemeClr val="dk1"/>
           </a:fontRef>
         </p:style>
         <p:txBody>
@@ -5066,16 +5096,16 @@
         </p:spPr>
         <p:style>
           <a:lnRef idx="1">
-            <a:schemeClr val="accent1"/>
-          </a:lnRef>
-          <a:fillRef idx="0">
-            <a:schemeClr val="accent1"/>
-          </a:fillRef>
-          <a:effectRef idx="0">
-            <a:schemeClr val="accent1"/>
-          </a:effectRef>
-          <a:fontRef idx="minor">
-            <a:schemeClr val="tx1"/>
+            <a:schemeClr val="accent3"/>
+          </a:lnRef>
+          <a:fillRef idx="2">
+            <a:schemeClr val="accent3"/>
+          </a:fillRef>
+          <a:effectRef idx="1">
+            <a:schemeClr val="accent3"/>
+          </a:effectRef>
+          <a:fontRef idx="minor">
+            <a:schemeClr val="dk1"/>
           </a:fontRef>
         </p:style>
       </p:cxnSp>
@@ -5090,7 +5120,6 @@
           </p:cNvPr>
           <p:cNvCxnSpPr>
             <a:cxnSpLocks/>
-            <a:stCxn id="122" idx="1"/>
             <a:endCxn id="98" idx="3"/>
           </p:cNvCxnSpPr>
           <p:nvPr/>
@@ -5098,7 +5127,7 @@
         <p:spPr>
           <a:xfrm flipH="1" flipV="1">
             <a:off x="3478242" y="3705343"/>
-            <a:ext cx="544220" cy="1315492"/>
+            <a:ext cx="992067" cy="1166477"/>
           </a:xfrm>
           <a:prstGeom prst="line">
             <a:avLst/>
@@ -5106,16 +5135,16 @@
         </p:spPr>
         <p:style>
           <a:lnRef idx="1">
-            <a:schemeClr val="accent1"/>
-          </a:lnRef>
-          <a:fillRef idx="0">
-            <a:schemeClr val="accent1"/>
-          </a:fillRef>
-          <a:effectRef idx="0">
-            <a:schemeClr val="accent1"/>
-          </a:effectRef>
-          <a:fontRef idx="minor">
-            <a:schemeClr val="tx1"/>
+            <a:schemeClr val="accent3"/>
+          </a:lnRef>
+          <a:fillRef idx="2">
+            <a:schemeClr val="accent3"/>
+          </a:fillRef>
+          <a:effectRef idx="1">
+            <a:schemeClr val="accent3"/>
+          </a:effectRef>
+          <a:fontRef idx="minor">
+            <a:schemeClr val="dk1"/>
           </a:fontRef>
         </p:style>
       </p:cxnSp>
@@ -5140,7 +5169,24 @@
             <a:avLst/>
           </a:prstGeom>
           <a:noFill/>
-        </p:spPr>
+          <a:ln>
+            <a:noFill/>
+          </a:ln>
+        </p:spPr>
+        <p:style>
+          <a:lnRef idx="0">
+            <a:scrgbClr r="0" g="0" b="0"/>
+          </a:lnRef>
+          <a:fillRef idx="0">
+            <a:scrgbClr r="0" g="0" b="0"/>
+          </a:fillRef>
+          <a:effectRef idx="0">
+            <a:scrgbClr r="0" g="0" b="0"/>
+          </a:effectRef>
+          <a:fontRef idx="minor">
+            <a:schemeClr val="dk1"/>
+          </a:fontRef>
+        </p:style>
         <p:txBody>
           <a:bodyPr wrap="square" rtlCol="0">
             <a:spAutoFit/>
@@ -5177,19 +5223,17 @@
           </a:prstGeom>
         </p:spPr>
         <p:style>
-          <a:lnRef idx="2">
-            <a:schemeClr val="accent1">
-              <a:shade val="50000"/>
-            </a:schemeClr>
-          </a:lnRef>
-          <a:fillRef idx="1">
-            <a:schemeClr val="accent1"/>
-          </a:fillRef>
-          <a:effectRef idx="0">
-            <a:schemeClr val="accent1"/>
-          </a:effectRef>
-          <a:fontRef idx="minor">
-            <a:schemeClr val="lt1"/>
+          <a:lnRef idx="1">
+            <a:schemeClr val="accent3"/>
+          </a:lnRef>
+          <a:fillRef idx="2">
+            <a:schemeClr val="accent3"/>
+          </a:fillRef>
+          <a:effectRef idx="1">
+            <a:schemeClr val="accent3"/>
+          </a:effectRef>
+          <a:fontRef idx="minor">
+            <a:schemeClr val="dk1"/>
           </a:fontRef>
         </p:style>
         <p:txBody>
@@ -5226,19 +5270,17 @@
           </a:prstGeom>
         </p:spPr>
         <p:style>
-          <a:lnRef idx="2">
-            <a:schemeClr val="accent1">
-              <a:shade val="50000"/>
-            </a:schemeClr>
-          </a:lnRef>
-          <a:fillRef idx="1">
-            <a:schemeClr val="accent1"/>
-          </a:fillRef>
-          <a:effectRef idx="0">
-            <a:schemeClr val="accent1"/>
-          </a:effectRef>
-          <a:fontRef idx="minor">
-            <a:schemeClr val="lt1"/>
+          <a:lnRef idx="1">
+            <a:schemeClr val="accent3"/>
+          </a:lnRef>
+          <a:fillRef idx="2">
+            <a:schemeClr val="accent3"/>
+          </a:fillRef>
+          <a:effectRef idx="1">
+            <a:schemeClr val="accent3"/>
+          </a:effectRef>
+          <a:fontRef idx="minor">
+            <a:schemeClr val="dk1"/>
           </a:fontRef>
         </p:style>
         <p:txBody>
@@ -5275,19 +5317,17 @@
           </a:prstGeom>
         </p:spPr>
         <p:style>
-          <a:lnRef idx="2">
-            <a:schemeClr val="accent1">
-              <a:shade val="50000"/>
-            </a:schemeClr>
-          </a:lnRef>
-          <a:fillRef idx="1">
-            <a:schemeClr val="accent1"/>
-          </a:fillRef>
-          <a:effectRef idx="0">
-            <a:schemeClr val="accent1"/>
-          </a:effectRef>
-          <a:fontRef idx="minor">
-            <a:schemeClr val="lt1"/>
+          <a:lnRef idx="1">
+            <a:schemeClr val="accent3"/>
+          </a:lnRef>
+          <a:fillRef idx="2">
+            <a:schemeClr val="accent3"/>
+          </a:fillRef>
+          <a:effectRef idx="1">
+            <a:schemeClr val="accent3"/>
+          </a:effectRef>
+          <a:fontRef idx="minor">
+            <a:schemeClr val="dk1"/>
           </a:fontRef>
         </p:style>
         <p:txBody>
@@ -5324,19 +5364,17 @@
           </a:prstGeom>
         </p:spPr>
         <p:style>
-          <a:lnRef idx="2">
-            <a:schemeClr val="accent1">
-              <a:shade val="50000"/>
-            </a:schemeClr>
-          </a:lnRef>
-          <a:fillRef idx="1">
-            <a:schemeClr val="accent1"/>
-          </a:fillRef>
-          <a:effectRef idx="0">
-            <a:schemeClr val="accent1"/>
-          </a:effectRef>
-          <a:fontRef idx="minor">
-            <a:schemeClr val="lt1"/>
+          <a:lnRef idx="1">
+            <a:schemeClr val="accent3"/>
+          </a:lnRef>
+          <a:fillRef idx="2">
+            <a:schemeClr val="accent3"/>
+          </a:fillRef>
+          <a:effectRef idx="1">
+            <a:schemeClr val="accent3"/>
+          </a:effectRef>
+          <a:fontRef idx="minor">
+            <a:schemeClr val="dk1"/>
           </a:fontRef>
         </p:style>
         <p:txBody>
@@ -5373,19 +5411,17 @@
           </a:prstGeom>
         </p:spPr>
         <p:style>
-          <a:lnRef idx="2">
-            <a:schemeClr val="accent1">
-              <a:shade val="50000"/>
-            </a:schemeClr>
-          </a:lnRef>
-          <a:fillRef idx="1">
-            <a:schemeClr val="accent1"/>
-          </a:fillRef>
-          <a:effectRef idx="0">
-            <a:schemeClr val="accent1"/>
-          </a:effectRef>
-          <a:fontRef idx="minor">
-            <a:schemeClr val="lt1"/>
+          <a:lnRef idx="1">
+            <a:schemeClr val="accent3"/>
+          </a:lnRef>
+          <a:fillRef idx="2">
+            <a:schemeClr val="accent3"/>
+          </a:fillRef>
+          <a:effectRef idx="1">
+            <a:schemeClr val="accent3"/>
+          </a:effectRef>
+          <a:fontRef idx="minor">
+            <a:schemeClr val="dk1"/>
           </a:fontRef>
         </p:style>
         <p:txBody>
@@ -5427,16 +5463,16 @@
         </p:spPr>
         <p:style>
           <a:lnRef idx="1">
-            <a:schemeClr val="accent1"/>
-          </a:lnRef>
-          <a:fillRef idx="0">
-            <a:schemeClr val="accent1"/>
-          </a:fillRef>
-          <a:effectRef idx="0">
-            <a:schemeClr val="accent1"/>
-          </a:effectRef>
-          <a:fontRef idx="minor">
-            <a:schemeClr val="tx1"/>
+            <a:schemeClr val="accent3"/>
+          </a:lnRef>
+          <a:fillRef idx="2">
+            <a:schemeClr val="accent3"/>
+          </a:fillRef>
+          <a:effectRef idx="1">
+            <a:schemeClr val="accent3"/>
+          </a:effectRef>
+          <a:fontRef idx="minor">
+            <a:schemeClr val="dk1"/>
           </a:fontRef>
         </p:style>
       </p:cxnSp>
@@ -5467,16 +5503,16 @@
         </p:spPr>
         <p:style>
           <a:lnRef idx="1">
-            <a:schemeClr val="accent1"/>
-          </a:lnRef>
-          <a:fillRef idx="0">
-            <a:schemeClr val="accent1"/>
-          </a:fillRef>
-          <a:effectRef idx="0">
-            <a:schemeClr val="accent1"/>
-          </a:effectRef>
-          <a:fontRef idx="minor">
-            <a:schemeClr val="tx1"/>
+            <a:schemeClr val="accent3"/>
+          </a:lnRef>
+          <a:fillRef idx="2">
+            <a:schemeClr val="accent3"/>
+          </a:fillRef>
+          <a:effectRef idx="1">
+            <a:schemeClr val="accent3"/>
+          </a:effectRef>
+          <a:fontRef idx="minor">
+            <a:schemeClr val="dk1"/>
           </a:fontRef>
         </p:style>
       </p:cxnSp>
@@ -5507,16 +5543,16 @@
         </p:spPr>
         <p:style>
           <a:lnRef idx="1">
-            <a:schemeClr val="accent1"/>
-          </a:lnRef>
-          <a:fillRef idx="0">
-            <a:schemeClr val="accent1"/>
-          </a:fillRef>
-          <a:effectRef idx="0">
-            <a:schemeClr val="accent1"/>
-          </a:effectRef>
-          <a:fontRef idx="minor">
-            <a:schemeClr val="tx1"/>
+            <a:schemeClr val="accent3"/>
+          </a:lnRef>
+          <a:fillRef idx="2">
+            <a:schemeClr val="accent3"/>
+          </a:fillRef>
+          <a:effectRef idx="1">
+            <a:schemeClr val="accent3"/>
+          </a:effectRef>
+          <a:fontRef idx="minor">
+            <a:schemeClr val="dk1"/>
           </a:fontRef>
         </p:style>
       </p:cxnSp>
@@ -5532,14 +5568,13 @@
           <p:cNvCxnSpPr>
             <a:cxnSpLocks/>
             <a:stCxn id="158" idx="6"/>
-            <a:endCxn id="98" idx="2"/>
           </p:cNvCxnSpPr>
           <p:nvPr/>
         </p:nvCxnSpPr>
         <p:spPr>
           <a:xfrm flipV="1">
             <a:off x="1106915" y="3962701"/>
-            <a:ext cx="1690805" cy="460090"/>
+            <a:ext cx="1160945" cy="460090"/>
           </a:xfrm>
           <a:prstGeom prst="line">
             <a:avLst/>
@@ -5547,16 +5582,16 @@
         </p:spPr>
         <p:style>
           <a:lnRef idx="1">
-            <a:schemeClr val="accent1"/>
-          </a:lnRef>
-          <a:fillRef idx="0">
-            <a:schemeClr val="accent1"/>
-          </a:fillRef>
-          <a:effectRef idx="0">
-            <a:schemeClr val="accent1"/>
-          </a:effectRef>
-          <a:fontRef idx="minor">
-            <a:schemeClr val="tx1"/>
+            <a:schemeClr val="accent3"/>
+          </a:lnRef>
+          <a:fillRef idx="2">
+            <a:schemeClr val="accent3"/>
+          </a:fillRef>
+          <a:effectRef idx="1">
+            <a:schemeClr val="accent3"/>
+          </a:effectRef>
+          <a:fontRef idx="minor">
+            <a:schemeClr val="dk1"/>
           </a:fontRef>
         </p:style>
       </p:cxnSp>
@@ -5572,14 +5607,14 @@
           <p:cNvCxnSpPr>
             <a:cxnSpLocks/>
             <a:stCxn id="157" idx="6"/>
-            <a:endCxn id="98" idx="2"/>
+            <a:endCxn id="98" idx="1"/>
           </p:cNvCxnSpPr>
           <p:nvPr/>
         </p:nvCxnSpPr>
         <p:spPr>
           <a:xfrm>
             <a:off x="1340488" y="3196612"/>
-            <a:ext cx="1457232" cy="766089"/>
+            <a:ext cx="776710" cy="508731"/>
           </a:xfrm>
           <a:prstGeom prst="line">
             <a:avLst/>
@@ -5587,16 +5622,16 @@
         </p:spPr>
         <p:style>
           <a:lnRef idx="1">
-            <a:schemeClr val="accent1"/>
-          </a:lnRef>
-          <a:fillRef idx="0">
-            <a:schemeClr val="accent1"/>
-          </a:fillRef>
-          <a:effectRef idx="0">
-            <a:schemeClr val="accent1"/>
-          </a:effectRef>
-          <a:fontRef idx="minor">
-            <a:schemeClr val="tx1"/>
+            <a:schemeClr val="accent3"/>
+          </a:lnRef>
+          <a:fillRef idx="2">
+            <a:schemeClr val="accent3"/>
+          </a:fillRef>
+          <a:effectRef idx="1">
+            <a:schemeClr val="accent3"/>
+          </a:effectRef>
+          <a:fontRef idx="minor">
+            <a:schemeClr val="dk1"/>
           </a:fontRef>
         </p:style>
       </p:cxnSp>
@@ -5622,19 +5657,17 @@
           </a:prstGeom>
         </p:spPr>
         <p:style>
-          <a:lnRef idx="2">
-            <a:schemeClr val="accent1">
-              <a:shade val="50000"/>
-            </a:schemeClr>
-          </a:lnRef>
-          <a:fillRef idx="1">
-            <a:schemeClr val="accent1"/>
-          </a:fillRef>
-          <a:effectRef idx="0">
-            <a:schemeClr val="accent1"/>
-          </a:effectRef>
-          <a:fontRef idx="minor">
-            <a:schemeClr val="lt1"/>
+          <a:lnRef idx="1">
+            <a:schemeClr val="accent3"/>
+          </a:lnRef>
+          <a:fillRef idx="2">
+            <a:schemeClr val="accent3"/>
+          </a:fillRef>
+          <a:effectRef idx="1">
+            <a:schemeClr val="accent3"/>
+          </a:effectRef>
+          <a:fontRef idx="minor">
+            <a:schemeClr val="dk1"/>
           </a:fontRef>
         </p:style>
         <p:txBody>
@@ -5661,14 +5694,13 @@
           <p:cNvCxnSpPr>
             <a:cxnSpLocks/>
             <a:stCxn id="171" idx="6"/>
-            <a:endCxn id="98" idx="2"/>
           </p:cNvCxnSpPr>
           <p:nvPr/>
         </p:nvCxnSpPr>
         <p:spPr>
           <a:xfrm>
             <a:off x="1313639" y="3780047"/>
-            <a:ext cx="1484081" cy="182654"/>
+            <a:ext cx="803559" cy="158386"/>
           </a:xfrm>
           <a:prstGeom prst="line">
             <a:avLst/>
@@ -5676,16 +5708,16 @@
         </p:spPr>
         <p:style>
           <a:lnRef idx="1">
-            <a:schemeClr val="accent1"/>
-          </a:lnRef>
-          <a:fillRef idx="0">
-            <a:schemeClr val="accent1"/>
-          </a:fillRef>
-          <a:effectRef idx="0">
-            <a:schemeClr val="accent1"/>
-          </a:effectRef>
-          <a:fontRef idx="minor">
-            <a:schemeClr val="tx1"/>
+            <a:schemeClr val="accent3"/>
+          </a:lnRef>
+          <a:fillRef idx="2">
+            <a:schemeClr val="accent3"/>
+          </a:fillRef>
+          <a:effectRef idx="1">
+            <a:schemeClr val="accent3"/>
+          </a:effectRef>
+          <a:fontRef idx="minor">
+            <a:schemeClr val="dk1"/>
           </a:fontRef>
         </p:style>
       </p:cxnSp>
@@ -5711,19 +5743,17 @@
           </a:prstGeom>
         </p:spPr>
         <p:style>
-          <a:lnRef idx="2">
-            <a:schemeClr val="accent1">
-              <a:shade val="50000"/>
-            </a:schemeClr>
-          </a:lnRef>
-          <a:fillRef idx="1">
-            <a:schemeClr val="accent1"/>
-          </a:fillRef>
-          <a:effectRef idx="0">
-            <a:schemeClr val="accent1"/>
-          </a:effectRef>
-          <a:fontRef idx="minor">
-            <a:schemeClr val="lt1"/>
+          <a:lnRef idx="1">
+            <a:schemeClr val="accent3"/>
+          </a:lnRef>
+          <a:fillRef idx="2">
+            <a:schemeClr val="accent3"/>
+          </a:fillRef>
+          <a:effectRef idx="1">
+            <a:schemeClr val="accent3"/>
+          </a:effectRef>
+          <a:fontRef idx="minor">
+            <a:schemeClr val="dk1"/>
           </a:fontRef>
         </p:style>
         <p:txBody>
@@ -5738,45 +5768,6 @@
           </a:p>
         </p:txBody>
       </p:sp>
-      <p:cxnSp>
-        <p:nvCxnSpPr>
-          <p:cNvPr id="182" name="직선 연결선 181">
-            <a:extLst>
-              <a:ext uri="{FF2B5EF4-FFF2-40B4-BE49-F238E27FC236}">
-                <a16:creationId xmlns:a16="http://schemas.microsoft.com/office/drawing/2014/main" id="{B716C0F3-B10A-4BC2-9A88-A206D9B8E85A}"/>
-              </a:ext>
-            </a:extLst>
-          </p:cNvPr>
-          <p:cNvCxnSpPr>
-            <a:cxnSpLocks/>
-            <a:stCxn id="180" idx="1"/>
-          </p:cNvCxnSpPr>
-          <p:nvPr/>
-        </p:nvCxnSpPr>
-        <p:spPr>
-          <a:xfrm flipV="1">
-            <a:off x="9061287" y="2703837"/>
-            <a:ext cx="81534" cy="227411"/>
-          </a:xfrm>
-          <a:prstGeom prst="line">
-            <a:avLst/>
-          </a:prstGeom>
-        </p:spPr>
-        <p:style>
-          <a:lnRef idx="1">
-            <a:schemeClr val="accent1"/>
-          </a:lnRef>
-          <a:fillRef idx="0">
-            <a:schemeClr val="accent1"/>
-          </a:fillRef>
-          <a:effectRef idx="0">
-            <a:schemeClr val="accent1"/>
-          </a:effectRef>
-          <a:fontRef idx="minor">
-            <a:schemeClr val="tx1"/>
-          </a:fontRef>
-        </p:style>
-      </p:cxnSp>
       <p:sp>
         <p:nvSpPr>
           <p:cNvPr id="184" name="타원 183">
@@ -5799,19 +5790,17 @@
           </a:prstGeom>
         </p:spPr>
         <p:style>
-          <a:lnRef idx="2">
-            <a:schemeClr val="accent1">
-              <a:shade val="50000"/>
-            </a:schemeClr>
-          </a:lnRef>
-          <a:fillRef idx="1">
-            <a:schemeClr val="accent1"/>
-          </a:fillRef>
-          <a:effectRef idx="0">
-            <a:schemeClr val="accent1"/>
-          </a:effectRef>
-          <a:fontRef idx="minor">
-            <a:schemeClr val="lt1"/>
+          <a:lnRef idx="1">
+            <a:schemeClr val="accent3"/>
+          </a:lnRef>
+          <a:fillRef idx="2">
+            <a:schemeClr val="accent3"/>
+          </a:fillRef>
+          <a:effectRef idx="1">
+            <a:schemeClr val="accent3"/>
+          </a:effectRef>
+          <a:fontRef idx="minor">
+            <a:schemeClr val="dk1"/>
           </a:fontRef>
         </p:style>
         <p:txBody>
@@ -5848,19 +5837,17 @@
           </a:prstGeom>
         </p:spPr>
         <p:style>
-          <a:lnRef idx="2">
-            <a:schemeClr val="accent1">
-              <a:shade val="50000"/>
-            </a:schemeClr>
-          </a:lnRef>
-          <a:fillRef idx="1">
-            <a:schemeClr val="accent1"/>
-          </a:fillRef>
-          <a:effectRef idx="0">
-            <a:schemeClr val="accent1"/>
-          </a:effectRef>
-          <a:fontRef idx="minor">
-            <a:schemeClr val="lt1"/>
+          <a:lnRef idx="1">
+            <a:schemeClr val="accent3"/>
+          </a:lnRef>
+          <a:fillRef idx="2">
+            <a:schemeClr val="accent3"/>
+          </a:fillRef>
+          <a:effectRef idx="1">
+            <a:schemeClr val="accent3"/>
+          </a:effectRef>
+          <a:fontRef idx="minor">
+            <a:schemeClr val="dk1"/>
           </a:fontRef>
         </p:style>
         <p:txBody>
@@ -5897,19 +5884,17 @@
           </a:prstGeom>
         </p:spPr>
         <p:style>
-          <a:lnRef idx="2">
-            <a:schemeClr val="accent1">
-              <a:shade val="50000"/>
-            </a:schemeClr>
-          </a:lnRef>
-          <a:fillRef idx="1">
-            <a:schemeClr val="accent1"/>
-          </a:fillRef>
-          <a:effectRef idx="0">
-            <a:schemeClr val="accent1"/>
-          </a:effectRef>
-          <a:fontRef idx="minor">
-            <a:schemeClr val="lt1"/>
+          <a:lnRef idx="1">
+            <a:schemeClr val="accent3"/>
+          </a:lnRef>
+          <a:fillRef idx="2">
+            <a:schemeClr val="accent3"/>
+          </a:fillRef>
+          <a:effectRef idx="1">
+            <a:schemeClr val="accent3"/>
+          </a:effectRef>
+          <a:fontRef idx="minor">
+            <a:schemeClr val="dk1"/>
           </a:fontRef>
         </p:style>
         <p:txBody>
@@ -5946,19 +5931,17 @@
           </a:prstGeom>
         </p:spPr>
         <p:style>
-          <a:lnRef idx="2">
-            <a:schemeClr val="accent1">
-              <a:shade val="50000"/>
-            </a:schemeClr>
-          </a:lnRef>
-          <a:fillRef idx="1">
-            <a:schemeClr val="accent1"/>
-          </a:fillRef>
-          <a:effectRef idx="0">
-            <a:schemeClr val="accent1"/>
-          </a:effectRef>
-          <a:fontRef idx="minor">
-            <a:schemeClr val="lt1"/>
+          <a:lnRef idx="1">
+            <a:schemeClr val="accent3"/>
+          </a:lnRef>
+          <a:fillRef idx="2">
+            <a:schemeClr val="accent3"/>
+          </a:fillRef>
+          <a:effectRef idx="1">
+            <a:schemeClr val="accent3"/>
+          </a:effectRef>
+          <a:fontRef idx="minor">
+            <a:schemeClr val="dk1"/>
           </a:fontRef>
         </p:style>
         <p:txBody>
@@ -5995,19 +5978,17 @@
           </a:prstGeom>
         </p:spPr>
         <p:style>
-          <a:lnRef idx="2">
-            <a:schemeClr val="accent1">
-              <a:shade val="50000"/>
-            </a:schemeClr>
-          </a:lnRef>
-          <a:fillRef idx="1">
-            <a:schemeClr val="accent1"/>
-          </a:fillRef>
-          <a:effectRef idx="0">
-            <a:schemeClr val="accent1"/>
-          </a:effectRef>
-          <a:fontRef idx="minor">
-            <a:schemeClr val="lt1"/>
+          <a:lnRef idx="1">
+            <a:schemeClr val="accent3"/>
+          </a:lnRef>
+          <a:fillRef idx="2">
+            <a:schemeClr val="accent3"/>
+          </a:fillRef>
+          <a:effectRef idx="1">
+            <a:schemeClr val="accent3"/>
+          </a:effectRef>
+          <a:fontRef idx="minor">
+            <a:schemeClr val="dk1"/>
           </a:fontRef>
         </p:style>
         <p:txBody>
@@ -6053,16 +6034,16 @@
         </p:spPr>
         <p:style>
           <a:lnRef idx="1">
-            <a:schemeClr val="accent1"/>
-          </a:lnRef>
-          <a:fillRef idx="0">
-            <a:schemeClr val="accent1"/>
-          </a:fillRef>
-          <a:effectRef idx="0">
-            <a:schemeClr val="accent1"/>
-          </a:effectRef>
-          <a:fontRef idx="minor">
-            <a:schemeClr val="tx1"/>
+            <a:schemeClr val="accent3"/>
+          </a:lnRef>
+          <a:fillRef idx="2">
+            <a:schemeClr val="accent3"/>
+          </a:fillRef>
+          <a:effectRef idx="1">
+            <a:schemeClr val="accent3"/>
+          </a:effectRef>
+          <a:fontRef idx="minor">
+            <a:schemeClr val="dk1"/>
           </a:fontRef>
         </p:style>
       </p:cxnSp>
@@ -6093,16 +6074,16 @@
         </p:spPr>
         <p:style>
           <a:lnRef idx="1">
-            <a:schemeClr val="accent1"/>
-          </a:lnRef>
-          <a:fillRef idx="0">
-            <a:schemeClr val="accent1"/>
-          </a:fillRef>
-          <a:effectRef idx="0">
-            <a:schemeClr val="accent1"/>
-          </a:effectRef>
-          <a:fontRef idx="minor">
-            <a:schemeClr val="tx1"/>
+            <a:schemeClr val="accent3"/>
+          </a:lnRef>
+          <a:fillRef idx="2">
+            <a:schemeClr val="accent3"/>
+          </a:fillRef>
+          <a:effectRef idx="1">
+            <a:schemeClr val="accent3"/>
+          </a:effectRef>
+          <a:fontRef idx="minor">
+            <a:schemeClr val="dk1"/>
           </a:fontRef>
         </p:style>
       </p:cxnSp>
@@ -6133,16 +6114,16 @@
         </p:spPr>
         <p:style>
           <a:lnRef idx="1">
-            <a:schemeClr val="accent1"/>
-          </a:lnRef>
-          <a:fillRef idx="0">
-            <a:schemeClr val="accent1"/>
-          </a:fillRef>
-          <a:effectRef idx="0">
-            <a:schemeClr val="accent1"/>
-          </a:effectRef>
-          <a:fontRef idx="minor">
-            <a:schemeClr val="tx1"/>
+            <a:schemeClr val="accent3"/>
+          </a:lnRef>
+          <a:fillRef idx="2">
+            <a:schemeClr val="accent3"/>
+          </a:fillRef>
+          <a:effectRef idx="1">
+            <a:schemeClr val="accent3"/>
+          </a:effectRef>
+          <a:fontRef idx="minor">
+            <a:schemeClr val="dk1"/>
           </a:fontRef>
         </p:style>
       </p:cxnSp>
@@ -6173,16 +6154,16 @@
         </p:spPr>
         <p:style>
           <a:lnRef idx="1">
-            <a:schemeClr val="accent1"/>
-          </a:lnRef>
-          <a:fillRef idx="0">
-            <a:schemeClr val="accent1"/>
-          </a:fillRef>
-          <a:effectRef idx="0">
-            <a:schemeClr val="accent1"/>
-          </a:effectRef>
-          <a:fontRef idx="minor">
-            <a:schemeClr val="tx1"/>
+            <a:schemeClr val="accent3"/>
+          </a:lnRef>
+          <a:fillRef idx="2">
+            <a:schemeClr val="accent3"/>
+          </a:fillRef>
+          <a:effectRef idx="1">
+            <a:schemeClr val="accent3"/>
+          </a:effectRef>
+          <a:fontRef idx="minor">
+            <a:schemeClr val="dk1"/>
           </a:fontRef>
         </p:style>
       </p:cxnSp>
@@ -6198,14 +6179,13 @@
           <p:cNvCxnSpPr>
             <a:cxnSpLocks/>
             <a:stCxn id="186" idx="2"/>
-            <a:endCxn id="180" idx="2"/>
           </p:cNvCxnSpPr>
           <p:nvPr/>
         </p:nvCxnSpPr>
         <p:spPr>
           <a:xfrm flipH="1">
-            <a:off x="9677019" y="3020618"/>
-            <a:ext cx="1295748" cy="167988"/>
+            <a:off x="10294999" y="3020618"/>
+            <a:ext cx="677768" cy="51140"/>
           </a:xfrm>
           <a:prstGeom prst="line">
             <a:avLst/>
@@ -6213,16 +6193,16 @@
         </p:spPr>
         <p:style>
           <a:lnRef idx="1">
-            <a:schemeClr val="accent1"/>
-          </a:lnRef>
-          <a:fillRef idx="0">
-            <a:schemeClr val="accent1"/>
-          </a:fillRef>
-          <a:effectRef idx="0">
-            <a:schemeClr val="accent1"/>
-          </a:effectRef>
-          <a:fontRef idx="minor">
-            <a:schemeClr val="tx1"/>
+            <a:schemeClr val="accent3"/>
+          </a:lnRef>
+          <a:fillRef idx="2">
+            <a:schemeClr val="accent3"/>
+          </a:fillRef>
+          <a:effectRef idx="1">
+            <a:schemeClr val="accent3"/>
+          </a:effectRef>
+          <a:fontRef idx="minor">
+            <a:schemeClr val="dk1"/>
           </a:fontRef>
         </p:style>
       </p:cxnSp>
@@ -6253,16 +6233,16 @@
         </p:spPr>
         <p:style>
           <a:lnRef idx="1">
-            <a:schemeClr val="accent1"/>
-          </a:lnRef>
-          <a:fillRef idx="0">
-            <a:schemeClr val="accent1"/>
-          </a:fillRef>
-          <a:effectRef idx="0">
-            <a:schemeClr val="accent1"/>
-          </a:effectRef>
-          <a:fontRef idx="minor">
-            <a:schemeClr val="tx1"/>
+            <a:schemeClr val="accent3"/>
+          </a:lnRef>
+          <a:fillRef idx="2">
+            <a:schemeClr val="accent3"/>
+          </a:fillRef>
+          <a:effectRef idx="1">
+            <a:schemeClr val="accent3"/>
+          </a:effectRef>
+          <a:fontRef idx="minor">
+            <a:schemeClr val="dk1"/>
           </a:fontRef>
         </p:style>
       </p:cxnSp>
@@ -6288,19 +6268,17 @@
           </a:prstGeom>
         </p:spPr>
         <p:style>
-          <a:lnRef idx="2">
-            <a:schemeClr val="accent1">
-              <a:shade val="50000"/>
-            </a:schemeClr>
-          </a:lnRef>
-          <a:fillRef idx="1">
-            <a:schemeClr val="accent1"/>
-          </a:fillRef>
-          <a:effectRef idx="0">
-            <a:schemeClr val="accent1"/>
-          </a:effectRef>
-          <a:fontRef idx="minor">
-            <a:schemeClr val="lt1"/>
+          <a:lnRef idx="1">
+            <a:schemeClr val="accent3"/>
+          </a:lnRef>
+          <a:fillRef idx="2">
+            <a:schemeClr val="accent3"/>
+          </a:fillRef>
+          <a:effectRef idx="1">
+            <a:schemeClr val="accent3"/>
+          </a:effectRef>
+          <a:fontRef idx="minor">
+            <a:schemeClr val="dk1"/>
           </a:fontRef>
         </p:style>
         <p:txBody>
@@ -6341,16 +6319,16 @@
         </p:spPr>
         <p:style>
           <a:lnRef idx="1">
-            <a:schemeClr val="accent1"/>
-          </a:lnRef>
-          <a:fillRef idx="0">
-            <a:schemeClr val="accent1"/>
-          </a:fillRef>
-          <a:effectRef idx="0">
-            <a:schemeClr val="accent1"/>
-          </a:effectRef>
-          <a:fontRef idx="minor">
-            <a:schemeClr val="tx1"/>
+            <a:schemeClr val="accent3"/>
+          </a:lnRef>
+          <a:fillRef idx="2">
+            <a:schemeClr val="accent3"/>
+          </a:fillRef>
+          <a:effectRef idx="1">
+            <a:schemeClr val="accent3"/>
+          </a:effectRef>
+          <a:fontRef idx="minor">
+            <a:schemeClr val="dk1"/>
           </a:fontRef>
         </p:style>
       </p:cxnSp>
@@ -6375,7 +6353,24 @@
             <a:avLst/>
           </a:prstGeom>
           <a:noFill/>
-        </p:spPr>
+          <a:ln>
+            <a:noFill/>
+          </a:ln>
+        </p:spPr>
+        <p:style>
+          <a:lnRef idx="0">
+            <a:scrgbClr r="0" g="0" b="0"/>
+          </a:lnRef>
+          <a:fillRef idx="0">
+            <a:scrgbClr r="0" g="0" b="0"/>
+          </a:fillRef>
+          <a:effectRef idx="0">
+            <a:scrgbClr r="0" g="0" b="0"/>
+          </a:effectRef>
+          <a:fontRef idx="minor">
+            <a:schemeClr val="dk1"/>
+          </a:fontRef>
+        </p:style>
         <p:txBody>
           <a:bodyPr wrap="square" rtlCol="0">
             <a:spAutoFit/>
@@ -6411,7 +6406,24 @@
             <a:avLst/>
           </a:prstGeom>
           <a:noFill/>
-        </p:spPr>
+          <a:ln>
+            <a:noFill/>
+          </a:ln>
+        </p:spPr>
+        <p:style>
+          <a:lnRef idx="0">
+            <a:scrgbClr r="0" g="0" b="0"/>
+          </a:lnRef>
+          <a:fillRef idx="0">
+            <a:scrgbClr r="0" g="0" b="0"/>
+          </a:fillRef>
+          <a:effectRef idx="0">
+            <a:scrgbClr r="0" g="0" b="0"/>
+          </a:effectRef>
+          <a:fontRef idx="minor">
+            <a:schemeClr val="dk1"/>
+          </a:fontRef>
+        </p:style>
         <p:txBody>
           <a:bodyPr wrap="square" rtlCol="0">
             <a:spAutoFit/>
@@ -6448,19 +6460,17 @@
           </a:prstGeom>
         </p:spPr>
         <p:style>
-          <a:lnRef idx="2">
-            <a:schemeClr val="accent1">
-              <a:shade val="50000"/>
-            </a:schemeClr>
-          </a:lnRef>
-          <a:fillRef idx="1">
-            <a:schemeClr val="accent1"/>
-          </a:fillRef>
-          <a:effectRef idx="0">
-            <a:schemeClr val="accent1"/>
-          </a:effectRef>
-          <a:fontRef idx="minor">
-            <a:schemeClr val="lt1"/>
+          <a:lnRef idx="1">
+            <a:schemeClr val="accent3"/>
+          </a:lnRef>
+          <a:fillRef idx="2">
+            <a:schemeClr val="accent3"/>
+          </a:fillRef>
+          <a:effectRef idx="1">
+            <a:schemeClr val="accent3"/>
+          </a:effectRef>
+          <a:fontRef idx="minor">
+            <a:schemeClr val="dk1"/>
           </a:fontRef>
         </p:style>
         <p:txBody>
@@ -6498,19 +6508,17 @@
           </a:prstGeom>
         </p:spPr>
         <p:style>
-          <a:lnRef idx="2">
-            <a:schemeClr val="accent1">
-              <a:shade val="50000"/>
-            </a:schemeClr>
-          </a:lnRef>
-          <a:fillRef idx="1">
-            <a:schemeClr val="accent1"/>
-          </a:fillRef>
-          <a:effectRef idx="0">
-            <a:schemeClr val="accent1"/>
-          </a:effectRef>
-          <a:fontRef idx="minor">
-            <a:schemeClr val="lt1"/>
+          <a:lnRef idx="1">
+            <a:schemeClr val="accent3"/>
+          </a:lnRef>
+          <a:fillRef idx="2">
+            <a:schemeClr val="accent3"/>
+          </a:fillRef>
+          <a:effectRef idx="1">
+            <a:schemeClr val="accent3"/>
+          </a:effectRef>
+          <a:fontRef idx="minor">
+            <a:schemeClr val="dk1"/>
           </a:fontRef>
         </p:style>
         <p:txBody>
@@ -6551,16 +6559,16 @@
         </p:spPr>
         <p:style>
           <a:lnRef idx="1">
-            <a:schemeClr val="accent1"/>
-          </a:lnRef>
-          <a:fillRef idx="0">
-            <a:schemeClr val="accent1"/>
-          </a:fillRef>
-          <a:effectRef idx="0">
-            <a:schemeClr val="accent1"/>
-          </a:effectRef>
-          <a:fontRef idx="minor">
-            <a:schemeClr val="tx1"/>
+            <a:schemeClr val="accent3"/>
+          </a:lnRef>
+          <a:fillRef idx="2">
+            <a:schemeClr val="accent3"/>
+          </a:fillRef>
+          <a:effectRef idx="1">
+            <a:schemeClr val="accent3"/>
+          </a:effectRef>
+          <a:fontRef idx="minor">
+            <a:schemeClr val="dk1"/>
           </a:fontRef>
         </p:style>
       </p:cxnSp>
@@ -6590,16 +6598,16 @@
         </p:spPr>
         <p:style>
           <a:lnRef idx="1">
-            <a:schemeClr val="accent1"/>
-          </a:lnRef>
-          <a:fillRef idx="0">
-            <a:schemeClr val="accent1"/>
-          </a:fillRef>
-          <a:effectRef idx="0">
-            <a:schemeClr val="accent1"/>
-          </a:effectRef>
-          <a:fontRef idx="minor">
-            <a:schemeClr val="tx1"/>
+            <a:schemeClr val="accent3"/>
+          </a:lnRef>
+          <a:fillRef idx="2">
+            <a:schemeClr val="accent3"/>
+          </a:fillRef>
+          <a:effectRef idx="1">
+            <a:schemeClr val="accent3"/>
+          </a:effectRef>
+          <a:fontRef idx="minor">
+            <a:schemeClr val="dk1"/>
           </a:fontRef>
         </p:style>
       </p:cxnSp>
@@ -6625,19 +6633,17 @@
           </a:prstGeom>
         </p:spPr>
         <p:style>
-          <a:lnRef idx="2">
-            <a:schemeClr val="accent1">
-              <a:shade val="50000"/>
-            </a:schemeClr>
-          </a:lnRef>
-          <a:fillRef idx="1">
-            <a:schemeClr val="accent1"/>
-          </a:fillRef>
-          <a:effectRef idx="0">
-            <a:schemeClr val="accent1"/>
-          </a:effectRef>
-          <a:fontRef idx="minor">
-            <a:schemeClr val="lt1"/>
+          <a:lnRef idx="1">
+            <a:schemeClr val="accent3"/>
+          </a:lnRef>
+          <a:fillRef idx="2">
+            <a:schemeClr val="accent3"/>
+          </a:fillRef>
+          <a:effectRef idx="1">
+            <a:schemeClr val="accent3"/>
+          </a:effectRef>
+          <a:fontRef idx="minor">
+            <a:schemeClr val="dk1"/>
           </a:fontRef>
         </p:style>
         <p:txBody>
@@ -6679,19 +6685,17 @@
           </a:prstGeom>
         </p:spPr>
         <p:style>
-          <a:lnRef idx="2">
-            <a:schemeClr val="accent1">
-              <a:shade val="50000"/>
-            </a:schemeClr>
-          </a:lnRef>
-          <a:fillRef idx="1">
-            <a:schemeClr val="accent1"/>
-          </a:fillRef>
-          <a:effectRef idx="0">
-            <a:schemeClr val="accent1"/>
-          </a:effectRef>
-          <a:fontRef idx="minor">
-            <a:schemeClr val="lt1"/>
+          <a:lnRef idx="1">
+            <a:schemeClr val="accent3"/>
+          </a:lnRef>
+          <a:fillRef idx="2">
+            <a:schemeClr val="accent3"/>
+          </a:fillRef>
+          <a:effectRef idx="1">
+            <a:schemeClr val="accent3"/>
+          </a:effectRef>
+          <a:fontRef idx="minor">
+            <a:schemeClr val="dk1"/>
           </a:fontRef>
         </p:style>
         <p:txBody>
@@ -6729,19 +6733,17 @@
           </a:prstGeom>
         </p:spPr>
         <p:style>
-          <a:lnRef idx="2">
-            <a:schemeClr val="accent1">
-              <a:shade val="50000"/>
-            </a:schemeClr>
-          </a:lnRef>
-          <a:fillRef idx="1">
-            <a:schemeClr val="accent1"/>
-          </a:fillRef>
-          <a:effectRef idx="0">
-            <a:schemeClr val="accent1"/>
-          </a:effectRef>
-          <a:fontRef idx="minor">
-            <a:schemeClr val="lt1"/>
+          <a:lnRef idx="1">
+            <a:schemeClr val="accent3"/>
+          </a:lnRef>
+          <a:fillRef idx="2">
+            <a:schemeClr val="accent3"/>
+          </a:fillRef>
+          <a:effectRef idx="1">
+            <a:schemeClr val="accent3"/>
+          </a:effectRef>
+          <a:fontRef idx="minor">
+            <a:schemeClr val="dk1"/>
           </a:fontRef>
         </p:style>
         <p:txBody>
@@ -6778,19 +6780,17 @@
           </a:prstGeom>
         </p:spPr>
         <p:style>
-          <a:lnRef idx="2">
-            <a:schemeClr val="accent1">
-              <a:shade val="50000"/>
-            </a:schemeClr>
-          </a:lnRef>
-          <a:fillRef idx="1">
-            <a:schemeClr val="accent1"/>
-          </a:fillRef>
-          <a:effectRef idx="0">
-            <a:schemeClr val="accent1"/>
-          </a:effectRef>
-          <a:fontRef idx="minor">
-            <a:schemeClr val="lt1"/>
+          <a:lnRef idx="1">
+            <a:schemeClr val="accent3"/>
+          </a:lnRef>
+          <a:fillRef idx="2">
+            <a:schemeClr val="accent3"/>
+          </a:fillRef>
+          <a:effectRef idx="1">
+            <a:schemeClr val="accent3"/>
+          </a:effectRef>
+          <a:fontRef idx="minor">
+            <a:schemeClr val="dk1"/>
           </a:fontRef>
         </p:style>
         <p:txBody>
@@ -6820,14 +6820,31 @@
         </p:nvSpPr>
         <p:spPr>
           <a:xfrm>
-            <a:off x="3529564" y="3470302"/>
+            <a:off x="3469068" y="3512128"/>
             <a:ext cx="249100" cy="276999"/>
           </a:xfrm>
           <a:prstGeom prst="rect">
             <a:avLst/>
           </a:prstGeom>
           <a:noFill/>
-        </p:spPr>
+          <a:ln>
+            <a:noFill/>
+          </a:ln>
+        </p:spPr>
+        <p:style>
+          <a:lnRef idx="0">
+            <a:scrgbClr r="0" g="0" b="0"/>
+          </a:lnRef>
+          <a:fillRef idx="0">
+            <a:scrgbClr r="0" g="0" b="0"/>
+          </a:fillRef>
+          <a:effectRef idx="0">
+            <a:scrgbClr r="0" g="0" b="0"/>
+          </a:effectRef>
+          <a:fontRef idx="minor">
+            <a:schemeClr val="dk1"/>
+          </a:fontRef>
+        </p:style>
         <p:txBody>
           <a:bodyPr wrap="square" rtlCol="0">
             <a:spAutoFit/>
@@ -6864,19 +6881,17 @@
           </a:prstGeom>
         </p:spPr>
         <p:style>
-          <a:lnRef idx="2">
-            <a:schemeClr val="accent1">
-              <a:shade val="50000"/>
-            </a:schemeClr>
-          </a:lnRef>
-          <a:fillRef idx="1">
-            <a:schemeClr val="accent1"/>
-          </a:fillRef>
-          <a:effectRef idx="0">
-            <a:schemeClr val="accent1"/>
-          </a:effectRef>
-          <a:fontRef idx="minor">
-            <a:schemeClr val="lt1"/>
+          <a:lnRef idx="1">
+            <a:schemeClr val="accent3"/>
+          </a:lnRef>
+          <a:fillRef idx="2">
+            <a:schemeClr val="accent3"/>
+          </a:fillRef>
+          <a:effectRef idx="1">
+            <a:schemeClr val="accent3"/>
+          </a:effectRef>
+          <a:fontRef idx="minor">
+            <a:schemeClr val="dk1"/>
           </a:fontRef>
         </p:style>
         <p:txBody>
@@ -6913,19 +6928,17 @@
           </a:prstGeom>
         </p:spPr>
         <p:style>
-          <a:lnRef idx="2">
-            <a:schemeClr val="accent1">
-              <a:shade val="50000"/>
-            </a:schemeClr>
-          </a:lnRef>
-          <a:fillRef idx="1">
-            <a:schemeClr val="accent1"/>
-          </a:fillRef>
-          <a:effectRef idx="0">
-            <a:schemeClr val="accent1"/>
-          </a:effectRef>
-          <a:fontRef idx="minor">
-            <a:schemeClr val="lt1"/>
+          <a:lnRef idx="1">
+            <a:schemeClr val="accent3"/>
+          </a:lnRef>
+          <a:fillRef idx="2">
+            <a:schemeClr val="accent3"/>
+          </a:fillRef>
+          <a:effectRef idx="1">
+            <a:schemeClr val="accent3"/>
+          </a:effectRef>
+          <a:fontRef idx="minor">
+            <a:schemeClr val="dk1"/>
           </a:fontRef>
         </p:style>
         <p:txBody>
@@ -6967,16 +6980,16 @@
         </p:spPr>
         <p:style>
           <a:lnRef idx="1">
-            <a:schemeClr val="accent1"/>
-          </a:lnRef>
-          <a:fillRef idx="0">
-            <a:schemeClr val="accent1"/>
-          </a:fillRef>
-          <a:effectRef idx="0">
-            <a:schemeClr val="accent1"/>
-          </a:effectRef>
-          <a:fontRef idx="minor">
-            <a:schemeClr val="tx1"/>
+            <a:schemeClr val="accent3"/>
+          </a:lnRef>
+          <a:fillRef idx="2">
+            <a:schemeClr val="accent3"/>
+          </a:fillRef>
+          <a:effectRef idx="1">
+            <a:schemeClr val="accent3"/>
+          </a:effectRef>
+          <a:fontRef idx="minor">
+            <a:schemeClr val="dk1"/>
           </a:fontRef>
         </p:style>
       </p:cxnSp>
@@ -7006,16 +7019,16 @@
         </p:spPr>
         <p:style>
           <a:lnRef idx="1">
-            <a:schemeClr val="accent1"/>
-          </a:lnRef>
-          <a:fillRef idx="0">
-            <a:schemeClr val="accent1"/>
-          </a:fillRef>
-          <a:effectRef idx="0">
-            <a:schemeClr val="accent1"/>
-          </a:effectRef>
-          <a:fontRef idx="minor">
-            <a:schemeClr val="tx1"/>
+            <a:schemeClr val="accent3"/>
+          </a:lnRef>
+          <a:fillRef idx="2">
+            <a:schemeClr val="accent3"/>
+          </a:fillRef>
+          <a:effectRef idx="1">
+            <a:schemeClr val="accent3"/>
+          </a:effectRef>
+          <a:fontRef idx="minor">
+            <a:schemeClr val="dk1"/>
           </a:fontRef>
         </p:style>
       </p:cxnSp>
@@ -7045,16 +7058,16 @@
         </p:spPr>
         <p:style>
           <a:lnRef idx="1">
-            <a:schemeClr val="accent1"/>
-          </a:lnRef>
-          <a:fillRef idx="0">
-            <a:schemeClr val="accent1"/>
-          </a:fillRef>
-          <a:effectRef idx="0">
-            <a:schemeClr val="accent1"/>
-          </a:effectRef>
-          <a:fontRef idx="minor">
-            <a:schemeClr val="tx1"/>
+            <a:schemeClr val="accent3"/>
+          </a:lnRef>
+          <a:fillRef idx="2">
+            <a:schemeClr val="accent3"/>
+          </a:fillRef>
+          <a:effectRef idx="1">
+            <a:schemeClr val="accent3"/>
+          </a:effectRef>
+          <a:fontRef idx="minor">
+            <a:schemeClr val="dk1"/>
           </a:fontRef>
         </p:style>
       </p:cxnSp>
@@ -7068,14 +7081,15 @@
             </a:extLst>
           </p:cNvPr>
           <p:cNvCxnSpPr>
-            <a:endCxn id="13" idx="3"/>
+            <a:cxnSpLocks/>
+            <a:stCxn id="30" idx="2"/>
           </p:cNvCxnSpPr>
           <p:nvPr/>
         </p:nvCxnSpPr>
         <p:spPr>
           <a:xfrm flipH="1" flipV="1">
-            <a:off x="9945133" y="5579599"/>
-            <a:ext cx="787648" cy="571984"/>
+            <a:off x="9447084" y="5807058"/>
+            <a:ext cx="1272036" cy="483201"/>
           </a:xfrm>
           <a:prstGeom prst="line">
             <a:avLst/>
@@ -7083,16 +7097,16 @@
         </p:spPr>
         <p:style>
           <a:lnRef idx="1">
-            <a:schemeClr val="accent1"/>
-          </a:lnRef>
-          <a:fillRef idx="0">
-            <a:schemeClr val="accent1"/>
-          </a:fillRef>
-          <a:effectRef idx="0">
-            <a:schemeClr val="accent1"/>
-          </a:effectRef>
-          <a:fontRef idx="minor">
-            <a:schemeClr val="tx1"/>
+            <a:schemeClr val="accent3"/>
+          </a:lnRef>
+          <a:fillRef idx="2">
+            <a:schemeClr val="accent3"/>
+          </a:fillRef>
+          <a:effectRef idx="1">
+            <a:schemeClr val="accent3"/>
+          </a:effectRef>
+          <a:fontRef idx="minor">
+            <a:schemeClr val="dk1"/>
           </a:fontRef>
         </p:style>
       </p:cxnSp>
@@ -7106,15 +7120,16 @@
             </a:extLst>
           </p:cNvPr>
           <p:cNvCxnSpPr>
+            <a:cxnSpLocks/>
             <a:stCxn id="32" idx="0"/>
-            <a:endCxn id="13" idx="3"/>
+            <a:endCxn id="13" idx="2"/>
           </p:cNvCxnSpPr>
           <p:nvPr/>
         </p:nvCxnSpPr>
         <p:spPr>
           <a:xfrm flipH="1" flipV="1">
-            <a:off x="9945133" y="5579599"/>
-            <a:ext cx="101635" cy="710660"/>
+            <a:off x="9447085" y="5836957"/>
+            <a:ext cx="599683" cy="453302"/>
           </a:xfrm>
           <a:prstGeom prst="line">
             <a:avLst/>
@@ -7122,16 +7137,16 @@
         </p:spPr>
         <p:style>
           <a:lnRef idx="1">
-            <a:schemeClr val="accent1"/>
-          </a:lnRef>
-          <a:fillRef idx="0">
-            <a:schemeClr val="accent1"/>
-          </a:fillRef>
-          <a:effectRef idx="0">
-            <a:schemeClr val="accent1"/>
-          </a:effectRef>
-          <a:fontRef idx="minor">
-            <a:schemeClr val="tx1"/>
+            <a:schemeClr val="accent3"/>
+          </a:lnRef>
+          <a:fillRef idx="2">
+            <a:schemeClr val="accent3"/>
+          </a:fillRef>
+          <a:effectRef idx="1">
+            <a:schemeClr val="accent3"/>
+          </a:effectRef>
+          <a:fontRef idx="minor">
+            <a:schemeClr val="dk1"/>
           </a:fontRef>
         </p:style>
       </p:cxnSp>
@@ -7145,15 +7160,16 @@
             </a:extLst>
           </p:cNvPr>
           <p:cNvCxnSpPr>
+            <a:cxnSpLocks/>
             <a:stCxn id="46" idx="0"/>
-            <a:endCxn id="13" idx="3"/>
+            <a:endCxn id="13" idx="2"/>
           </p:cNvCxnSpPr>
           <p:nvPr/>
         </p:nvCxnSpPr>
         <p:spPr>
           <a:xfrm flipV="1">
-            <a:off x="8720710" y="5579599"/>
-            <a:ext cx="1224423" cy="706537"/>
+            <a:off x="8720710" y="5836957"/>
+            <a:ext cx="726375" cy="449179"/>
           </a:xfrm>
           <a:prstGeom prst="line">
             <a:avLst/>
@@ -7161,16 +7177,16 @@
         </p:spPr>
         <p:style>
           <a:lnRef idx="1">
-            <a:schemeClr val="accent1"/>
-          </a:lnRef>
-          <a:fillRef idx="0">
-            <a:schemeClr val="accent1"/>
-          </a:fillRef>
-          <a:effectRef idx="0">
-            <a:schemeClr val="accent1"/>
-          </a:effectRef>
-          <a:fontRef idx="minor">
-            <a:schemeClr val="tx1"/>
+            <a:schemeClr val="accent3"/>
+          </a:lnRef>
+          <a:fillRef idx="2">
+            <a:schemeClr val="accent3"/>
+          </a:fillRef>
+          <a:effectRef idx="1">
+            <a:schemeClr val="accent3"/>
+          </a:effectRef>
+          <a:fontRef idx="minor">
+            <a:schemeClr val="dk1"/>
           </a:fontRef>
         </p:style>
       </p:cxnSp>
@@ -7196,19 +7212,17 @@
           </a:prstGeom>
         </p:spPr>
         <p:style>
-          <a:lnRef idx="2">
-            <a:schemeClr val="accent1">
-              <a:shade val="50000"/>
-            </a:schemeClr>
-          </a:lnRef>
-          <a:fillRef idx="1">
-            <a:schemeClr val="accent1"/>
-          </a:fillRef>
-          <a:effectRef idx="0">
-            <a:schemeClr val="accent1"/>
-          </a:effectRef>
-          <a:fontRef idx="minor">
-            <a:schemeClr val="lt1"/>
+          <a:lnRef idx="1">
+            <a:schemeClr val="accent3"/>
+          </a:lnRef>
+          <a:fillRef idx="2">
+            <a:schemeClr val="accent3"/>
+          </a:fillRef>
+          <a:effectRef idx="1">
+            <a:schemeClr val="accent3"/>
+          </a:effectRef>
+          <a:fontRef idx="minor">
+            <a:schemeClr val="dk1"/>
           </a:fontRef>
         </p:style>
         <p:txBody>
@@ -7245,19 +7259,17 @@
           </a:prstGeom>
         </p:spPr>
         <p:style>
-          <a:lnRef idx="2">
-            <a:schemeClr val="accent1">
-              <a:shade val="50000"/>
-            </a:schemeClr>
-          </a:lnRef>
-          <a:fillRef idx="1">
-            <a:schemeClr val="accent1"/>
-          </a:fillRef>
-          <a:effectRef idx="0">
-            <a:schemeClr val="accent1"/>
-          </a:effectRef>
-          <a:fontRef idx="minor">
-            <a:schemeClr val="lt1"/>
+          <a:lnRef idx="1">
+            <a:schemeClr val="accent3"/>
+          </a:lnRef>
+          <a:fillRef idx="2">
+            <a:schemeClr val="accent3"/>
+          </a:fillRef>
+          <a:effectRef idx="1">
+            <a:schemeClr val="accent3"/>
+          </a:effectRef>
+          <a:fontRef idx="minor">
+            <a:schemeClr val="dk1"/>
           </a:fontRef>
         </p:style>
         <p:txBody>
@@ -7298,16 +7310,16 @@
         </p:spPr>
         <p:style>
           <a:lnRef idx="1">
-            <a:schemeClr val="accent1"/>
-          </a:lnRef>
-          <a:fillRef idx="0">
-            <a:schemeClr val="accent1"/>
-          </a:fillRef>
-          <a:effectRef idx="0">
-            <a:schemeClr val="accent1"/>
-          </a:effectRef>
-          <a:fontRef idx="minor">
-            <a:schemeClr val="tx1"/>
+            <a:schemeClr val="accent3"/>
+          </a:lnRef>
+          <a:fillRef idx="2">
+            <a:schemeClr val="accent3"/>
+          </a:fillRef>
+          <a:effectRef idx="1">
+            <a:schemeClr val="accent3"/>
+          </a:effectRef>
+          <a:fontRef idx="minor">
+            <a:schemeClr val="dk1"/>
           </a:fontRef>
         </p:style>
       </p:cxnSp>
@@ -7322,14 +7334,15 @@
           </p:cNvPr>
           <p:cNvCxnSpPr>
             <a:cxnSpLocks/>
+            <a:stCxn id="65" idx="3"/>
             <a:endCxn id="67" idx="1"/>
           </p:cNvCxnSpPr>
           <p:nvPr/>
         </p:nvCxnSpPr>
         <p:spPr>
           <a:xfrm flipV="1">
-            <a:off x="8019572" y="1474995"/>
-            <a:ext cx="752071" cy="257358"/>
+            <a:off x="8253160" y="1474995"/>
+            <a:ext cx="518483" cy="329968"/>
           </a:xfrm>
           <a:prstGeom prst="line">
             <a:avLst/>
@@ -7337,16 +7350,16 @@
         </p:spPr>
         <p:style>
           <a:lnRef idx="1">
-            <a:schemeClr val="accent1"/>
-          </a:lnRef>
-          <a:fillRef idx="0">
-            <a:schemeClr val="accent1"/>
-          </a:fillRef>
-          <a:effectRef idx="0">
-            <a:schemeClr val="accent1"/>
-          </a:effectRef>
-          <a:fontRef idx="minor">
-            <a:schemeClr val="tx1"/>
+            <a:schemeClr val="accent3"/>
+          </a:lnRef>
+          <a:fillRef idx="2">
+            <a:schemeClr val="accent3"/>
+          </a:fillRef>
+          <a:effectRef idx="1">
+            <a:schemeClr val="accent3"/>
+          </a:effectRef>
+          <a:fontRef idx="minor">
+            <a:schemeClr val="dk1"/>
           </a:fontRef>
         </p:style>
       </p:cxnSp>
@@ -7372,19 +7385,17 @@
           </a:prstGeom>
         </p:spPr>
         <p:style>
-          <a:lnRef idx="2">
-            <a:schemeClr val="accent1">
-              <a:shade val="50000"/>
-            </a:schemeClr>
-          </a:lnRef>
-          <a:fillRef idx="1">
-            <a:schemeClr val="accent1"/>
-          </a:fillRef>
-          <a:effectRef idx="0">
-            <a:schemeClr val="accent1"/>
-          </a:effectRef>
-          <a:fontRef idx="minor">
-            <a:schemeClr val="lt1"/>
+          <a:lnRef idx="1">
+            <a:schemeClr val="accent3"/>
+          </a:lnRef>
+          <a:fillRef idx="2">
+            <a:schemeClr val="accent3"/>
+          </a:fillRef>
+          <a:effectRef idx="1">
+            <a:schemeClr val="accent3"/>
+          </a:effectRef>
+          <a:fontRef idx="minor">
+            <a:schemeClr val="dk1"/>
           </a:fontRef>
         </p:style>
         <p:txBody>
@@ -7421,19 +7432,17 @@
           </a:prstGeom>
         </p:spPr>
         <p:style>
-          <a:lnRef idx="2">
-            <a:schemeClr val="accent1">
-              <a:shade val="50000"/>
-            </a:schemeClr>
-          </a:lnRef>
-          <a:fillRef idx="1">
-            <a:schemeClr val="accent1"/>
-          </a:fillRef>
-          <a:effectRef idx="0">
-            <a:schemeClr val="accent1"/>
-          </a:effectRef>
-          <a:fontRef idx="minor">
-            <a:schemeClr val="lt1"/>
+          <a:lnRef idx="1">
+            <a:schemeClr val="accent3"/>
+          </a:lnRef>
+          <a:fillRef idx="2">
+            <a:schemeClr val="accent3"/>
+          </a:fillRef>
+          <a:effectRef idx="1">
+            <a:schemeClr val="accent3"/>
+          </a:effectRef>
+          <a:fontRef idx="minor">
+            <a:schemeClr val="dk1"/>
           </a:fontRef>
         </p:style>
         <p:txBody>
@@ -7471,19 +7480,17 @@
           </a:prstGeom>
         </p:spPr>
         <p:style>
-          <a:lnRef idx="2">
-            <a:schemeClr val="accent1">
-              <a:shade val="50000"/>
-            </a:schemeClr>
-          </a:lnRef>
-          <a:fillRef idx="1">
-            <a:schemeClr val="accent1"/>
-          </a:fillRef>
-          <a:effectRef idx="0">
-            <a:schemeClr val="accent1"/>
-          </a:effectRef>
-          <a:fontRef idx="minor">
-            <a:schemeClr val="lt1"/>
+          <a:lnRef idx="1">
+            <a:schemeClr val="accent3"/>
+          </a:lnRef>
+          <a:fillRef idx="2">
+            <a:schemeClr val="accent3"/>
+          </a:fillRef>
+          <a:effectRef idx="1">
+            <a:schemeClr val="accent3"/>
+          </a:effectRef>
+          <a:fontRef idx="minor">
+            <a:schemeClr val="dk1"/>
           </a:fontRef>
         </p:style>
         <p:txBody>
@@ -7524,19 +7531,17 @@
           </a:prstGeom>
         </p:spPr>
         <p:style>
-          <a:lnRef idx="2">
-            <a:schemeClr val="accent1">
-              <a:shade val="50000"/>
-            </a:schemeClr>
-          </a:lnRef>
-          <a:fillRef idx="1">
-            <a:schemeClr val="accent1"/>
-          </a:fillRef>
-          <a:effectRef idx="0">
-            <a:schemeClr val="accent1"/>
-          </a:effectRef>
-          <a:fontRef idx="minor">
-            <a:schemeClr val="lt1"/>
+          <a:lnRef idx="1">
+            <a:schemeClr val="accent3"/>
+          </a:lnRef>
+          <a:fillRef idx="2">
+            <a:schemeClr val="accent3"/>
+          </a:fillRef>
+          <a:effectRef idx="1">
+            <a:schemeClr val="accent3"/>
+          </a:effectRef>
+          <a:fontRef idx="minor">
+            <a:schemeClr val="dk1"/>
           </a:fontRef>
         </p:style>
         <p:txBody>
@@ -7563,13 +7568,14 @@
           <p:cNvCxnSpPr>
             <a:cxnSpLocks/>
             <a:stCxn id="75" idx="4"/>
+            <a:endCxn id="67" idx="0"/>
           </p:cNvCxnSpPr>
           <p:nvPr/>
         </p:nvCxnSpPr>
         <p:spPr>
           <a:xfrm>
             <a:off x="8343514" y="872012"/>
-            <a:ext cx="735633" cy="395323"/>
+            <a:ext cx="930279" cy="345625"/>
           </a:xfrm>
           <a:prstGeom prst="line">
             <a:avLst/>
@@ -7577,16 +7583,16 @@
         </p:spPr>
         <p:style>
           <a:lnRef idx="1">
-            <a:schemeClr val="accent1"/>
-          </a:lnRef>
-          <a:fillRef idx="0">
-            <a:schemeClr val="accent1"/>
-          </a:fillRef>
-          <a:effectRef idx="0">
-            <a:schemeClr val="accent1"/>
-          </a:effectRef>
-          <a:fontRef idx="minor">
-            <a:schemeClr val="tx1"/>
+            <a:schemeClr val="accent3"/>
+          </a:lnRef>
+          <a:fillRef idx="2">
+            <a:schemeClr val="accent3"/>
+          </a:fillRef>
+          <a:effectRef idx="1">
+            <a:schemeClr val="accent3"/>
+          </a:effectRef>
+          <a:fontRef idx="minor">
+            <a:schemeClr val="dk1"/>
           </a:fontRef>
         </p:style>
       </p:cxnSp>
@@ -7602,13 +7608,14 @@
           <p:cNvCxnSpPr>
             <a:cxnSpLocks/>
             <a:stCxn id="77" idx="4"/>
+            <a:endCxn id="67" idx="0"/>
           </p:cNvCxnSpPr>
           <p:nvPr/>
         </p:nvCxnSpPr>
         <p:spPr>
           <a:xfrm flipH="1">
-            <a:off x="9433616" y="797644"/>
-            <a:ext cx="630258" cy="525291"/>
+            <a:off x="9273793" y="797644"/>
+            <a:ext cx="790081" cy="419993"/>
           </a:xfrm>
           <a:prstGeom prst="line">
             <a:avLst/>
@@ -7616,16 +7623,16 @@
         </p:spPr>
         <p:style>
           <a:lnRef idx="1">
-            <a:schemeClr val="accent1"/>
-          </a:lnRef>
-          <a:fillRef idx="0">
-            <a:schemeClr val="accent1"/>
-          </a:fillRef>
-          <a:effectRef idx="0">
-            <a:schemeClr val="accent1"/>
-          </a:effectRef>
-          <a:fontRef idx="minor">
-            <a:schemeClr val="tx1"/>
+            <a:schemeClr val="accent3"/>
+          </a:lnRef>
+          <a:fillRef idx="2">
+            <a:schemeClr val="accent3"/>
+          </a:fillRef>
+          <a:effectRef idx="1">
+            <a:schemeClr val="accent3"/>
+          </a:effectRef>
+          <a:fontRef idx="minor">
+            <a:schemeClr val="dk1"/>
           </a:fontRef>
         </p:style>
       </p:cxnSp>
@@ -7656,16 +7663,16 @@
         </p:spPr>
         <p:style>
           <a:lnRef idx="1">
-            <a:schemeClr val="accent1"/>
-          </a:lnRef>
-          <a:fillRef idx="0">
-            <a:schemeClr val="accent1"/>
-          </a:fillRef>
-          <a:effectRef idx="0">
-            <a:schemeClr val="accent1"/>
-          </a:effectRef>
-          <a:fontRef idx="minor">
-            <a:schemeClr val="tx1"/>
+            <a:schemeClr val="accent3"/>
+          </a:lnRef>
+          <a:fillRef idx="2">
+            <a:schemeClr val="accent3"/>
+          </a:fillRef>
+          <a:effectRef idx="1">
+            <a:schemeClr val="accent3"/>
+          </a:effectRef>
+          <a:fontRef idx="minor">
+            <a:schemeClr val="dk1"/>
           </a:fontRef>
         </p:style>
       </p:cxnSp>
@@ -7690,7 +7697,24 @@
             <a:avLst/>
           </a:prstGeom>
           <a:noFill/>
-        </p:spPr>
+          <a:ln>
+            <a:noFill/>
+          </a:ln>
+        </p:spPr>
+        <p:style>
+          <a:lnRef idx="0">
+            <a:scrgbClr r="0" g="0" b="0"/>
+          </a:lnRef>
+          <a:fillRef idx="0">
+            <a:scrgbClr r="0" g="0" b="0"/>
+          </a:fillRef>
+          <a:effectRef idx="0">
+            <a:scrgbClr r="0" g="0" b="0"/>
+          </a:effectRef>
+          <a:fontRef idx="minor">
+            <a:schemeClr val="dk1"/>
+          </a:fontRef>
+        </p:style>
         <p:txBody>
           <a:bodyPr wrap="square" rtlCol="0">
             <a:spAutoFit/>
@@ -7722,8 +7746,8 @@
         </p:nvCxnSpPr>
         <p:spPr>
           <a:xfrm flipH="1" flipV="1">
-            <a:off x="9518886" y="1634549"/>
-            <a:ext cx="769607" cy="350680"/>
+            <a:off x="9783958" y="1738603"/>
+            <a:ext cx="504535" cy="246626"/>
           </a:xfrm>
           <a:prstGeom prst="line">
             <a:avLst/>
@@ -7731,16 +7755,16 @@
         </p:spPr>
         <p:style>
           <a:lnRef idx="1">
-            <a:schemeClr val="accent1"/>
-          </a:lnRef>
-          <a:fillRef idx="0">
-            <a:schemeClr val="accent1"/>
-          </a:fillRef>
-          <a:effectRef idx="0">
-            <a:schemeClr val="accent1"/>
-          </a:effectRef>
-          <a:fontRef idx="minor">
-            <a:schemeClr val="tx1"/>
+            <a:schemeClr val="accent3"/>
+          </a:lnRef>
+          <a:fillRef idx="2">
+            <a:schemeClr val="accent3"/>
+          </a:fillRef>
+          <a:effectRef idx="1">
+            <a:schemeClr val="accent3"/>
+          </a:effectRef>
+          <a:fontRef idx="minor">
+            <a:schemeClr val="dk1"/>
           </a:fontRef>
         </p:style>
       </p:cxnSp>

--- a/DB/DB_Project/Image/E-RD.pptx
+++ b/DB/DB_Project/Image/E-RD.pptx
@@ -259,7 +259,7 @@
           <a:p>
             <a:fld id="{E8EC4861-185A-41C2-AC89-59B8C2CA0353}" type="datetimeFigureOut">
               <a:rPr lang="ko-KR" altLang="en-US" smtClean="0"/>
-              <a:t>2022-12-02</a:t>
+              <a:t>2022-12-06</a:t>
             </a:fld>
             <a:endParaRPr lang="ko-KR" altLang="en-US"/>
           </a:p>
@@ -457,7 +457,7 @@
           <a:p>
             <a:fld id="{E8EC4861-185A-41C2-AC89-59B8C2CA0353}" type="datetimeFigureOut">
               <a:rPr lang="ko-KR" altLang="en-US" smtClean="0"/>
-              <a:t>2022-12-02</a:t>
+              <a:t>2022-12-06</a:t>
             </a:fld>
             <a:endParaRPr lang="ko-KR" altLang="en-US"/>
           </a:p>
@@ -665,7 +665,7 @@
           <a:p>
             <a:fld id="{E8EC4861-185A-41C2-AC89-59B8C2CA0353}" type="datetimeFigureOut">
               <a:rPr lang="ko-KR" altLang="en-US" smtClean="0"/>
-              <a:t>2022-12-02</a:t>
+              <a:t>2022-12-06</a:t>
             </a:fld>
             <a:endParaRPr lang="ko-KR" altLang="en-US"/>
           </a:p>
@@ -863,7 +863,7 @@
           <a:p>
             <a:fld id="{E8EC4861-185A-41C2-AC89-59B8C2CA0353}" type="datetimeFigureOut">
               <a:rPr lang="ko-KR" altLang="en-US" smtClean="0"/>
-              <a:t>2022-12-02</a:t>
+              <a:t>2022-12-06</a:t>
             </a:fld>
             <a:endParaRPr lang="ko-KR" altLang="en-US"/>
           </a:p>
@@ -1138,7 +1138,7 @@
           <a:p>
             <a:fld id="{E8EC4861-185A-41C2-AC89-59B8C2CA0353}" type="datetimeFigureOut">
               <a:rPr lang="ko-KR" altLang="en-US" smtClean="0"/>
-              <a:t>2022-12-02</a:t>
+              <a:t>2022-12-06</a:t>
             </a:fld>
             <a:endParaRPr lang="ko-KR" altLang="en-US"/>
           </a:p>
@@ -1403,7 +1403,7 @@
           <a:p>
             <a:fld id="{E8EC4861-185A-41C2-AC89-59B8C2CA0353}" type="datetimeFigureOut">
               <a:rPr lang="ko-KR" altLang="en-US" smtClean="0"/>
-              <a:t>2022-12-02</a:t>
+              <a:t>2022-12-06</a:t>
             </a:fld>
             <a:endParaRPr lang="ko-KR" altLang="en-US"/>
           </a:p>
@@ -1815,7 +1815,7 @@
           <a:p>
             <a:fld id="{E8EC4861-185A-41C2-AC89-59B8C2CA0353}" type="datetimeFigureOut">
               <a:rPr lang="ko-KR" altLang="en-US" smtClean="0"/>
-              <a:t>2022-12-02</a:t>
+              <a:t>2022-12-06</a:t>
             </a:fld>
             <a:endParaRPr lang="ko-KR" altLang="en-US"/>
           </a:p>
@@ -1956,7 +1956,7 @@
           <a:p>
             <a:fld id="{E8EC4861-185A-41C2-AC89-59B8C2CA0353}" type="datetimeFigureOut">
               <a:rPr lang="ko-KR" altLang="en-US" smtClean="0"/>
-              <a:t>2022-12-02</a:t>
+              <a:t>2022-12-06</a:t>
             </a:fld>
             <a:endParaRPr lang="ko-KR" altLang="en-US"/>
           </a:p>
@@ -2069,7 +2069,7 @@
           <a:p>
             <a:fld id="{E8EC4861-185A-41C2-AC89-59B8C2CA0353}" type="datetimeFigureOut">
               <a:rPr lang="ko-KR" altLang="en-US" smtClean="0"/>
-              <a:t>2022-12-02</a:t>
+              <a:t>2022-12-06</a:t>
             </a:fld>
             <a:endParaRPr lang="ko-KR" altLang="en-US"/>
           </a:p>
@@ -2380,7 +2380,7 @@
           <a:p>
             <a:fld id="{E8EC4861-185A-41C2-AC89-59B8C2CA0353}" type="datetimeFigureOut">
               <a:rPr lang="ko-KR" altLang="en-US" smtClean="0"/>
-              <a:t>2022-12-02</a:t>
+              <a:t>2022-12-06</a:t>
             </a:fld>
             <a:endParaRPr lang="ko-KR" altLang="en-US"/>
           </a:p>
@@ -2668,7 +2668,7 @@
           <a:p>
             <a:fld id="{E8EC4861-185A-41C2-AC89-59B8C2CA0353}" type="datetimeFigureOut">
               <a:rPr lang="ko-KR" altLang="en-US" smtClean="0"/>
-              <a:t>2022-12-02</a:t>
+              <a:t>2022-12-06</a:t>
             </a:fld>
             <a:endParaRPr lang="ko-KR" altLang="en-US"/>
           </a:p>
@@ -2909,7 +2909,7 @@
           <a:p>
             <a:fld id="{E8EC4861-185A-41C2-AC89-59B8C2CA0353}" type="datetimeFigureOut">
               <a:rPr lang="ko-KR" altLang="en-US" smtClean="0"/>
-              <a:t>2022-12-02</a:t>
+              <a:t>2022-12-06</a:t>
             </a:fld>
             <a:endParaRPr lang="ko-KR" altLang="en-US"/>
           </a:p>
@@ -5215,7 +5215,7 @@
         </p:nvSpPr>
         <p:spPr>
           <a:xfrm>
-            <a:off x="2782569" y="4966948"/>
+            <a:off x="2925050" y="4942189"/>
             <a:ext cx="996095" cy="502746"/>
           </a:xfrm>
           <a:prstGeom prst="ellipse">
@@ -5262,7 +5262,7 @@
         </p:nvSpPr>
         <p:spPr>
           <a:xfrm>
-            <a:off x="1769812" y="4894337"/>
+            <a:off x="1854418" y="5138410"/>
             <a:ext cx="996095" cy="502746"/>
           </a:xfrm>
           <a:prstGeom prst="ellipse">
@@ -5309,7 +5309,7 @@
         </p:nvSpPr>
         <p:spPr>
           <a:xfrm>
-            <a:off x="1061147" y="4452637"/>
+            <a:off x="757132" y="5441692"/>
             <a:ext cx="996095" cy="502746"/>
           </a:xfrm>
           <a:prstGeom prst="ellipse">
@@ -5384,8 +5384,13 @@
             <a:pPr algn="ctr"/>
             <a:r>
               <a:rPr lang="ko-KR" altLang="en-US" sz="1000" u="sng" dirty="0"/>
-              <a:t>화분코드</a:t>
-            </a:r>
+              <a:t>설정 </a:t>
+            </a:r>
+            <a:r>
+              <a:rPr lang="en-US" altLang="ko-KR" sz="1000" u="sng" dirty="0"/>
+              <a:t>ID</a:t>
+            </a:r>
+            <a:endParaRPr lang="ko-KR" altLang="en-US" sz="1000" u="sng" dirty="0"/>
           </a:p>
         </p:txBody>
       </p:sp>
@@ -5403,7 +5408,7 @@
         </p:nvSpPr>
         <p:spPr>
           <a:xfrm>
-            <a:off x="110820" y="4171418"/>
+            <a:off x="236354" y="4884240"/>
             <a:ext cx="996095" cy="502746"/>
           </a:xfrm>
           <a:prstGeom prst="ellipse">
@@ -5455,7 +5460,7 @@
         <p:spPr>
           <a:xfrm flipH="1" flipV="1">
             <a:off x="2797720" y="3962701"/>
-            <a:ext cx="482897" cy="1004247"/>
+            <a:ext cx="625378" cy="979488"/>
           </a:xfrm>
           <a:prstGeom prst="line">
             <a:avLst/>
@@ -5494,8 +5499,8 @@
         </p:nvCxnSpPr>
         <p:spPr>
           <a:xfrm flipH="1">
-            <a:off x="2267860" y="3962701"/>
-            <a:ext cx="529860" cy="931636"/>
+            <a:off x="2352466" y="3962701"/>
+            <a:ext cx="445254" cy="1175709"/>
           </a:xfrm>
           <a:prstGeom prst="line">
             <a:avLst/>
@@ -5534,8 +5539,8 @@
         </p:nvCxnSpPr>
         <p:spPr>
           <a:xfrm flipV="1">
-            <a:off x="1911367" y="3962701"/>
-            <a:ext cx="886353" cy="563561"/>
+            <a:off x="1607352" y="3962701"/>
+            <a:ext cx="1190368" cy="1552616"/>
           </a:xfrm>
           <a:prstGeom prst="line">
             <a:avLst/>
@@ -5568,13 +5573,14 @@
           <p:cNvCxnSpPr>
             <a:cxnSpLocks/>
             <a:stCxn id="158" idx="6"/>
+            <a:endCxn id="98" idx="2"/>
           </p:cNvCxnSpPr>
           <p:nvPr/>
         </p:nvCxnSpPr>
         <p:spPr>
           <a:xfrm flipV="1">
-            <a:off x="1106915" y="3962701"/>
-            <a:ext cx="1160945" cy="460090"/>
+            <a:off x="1232449" y="3962701"/>
+            <a:ext cx="1565271" cy="1172912"/>
           </a:xfrm>
           <a:prstGeom prst="line">
             <a:avLst/>
@@ -5677,7 +5683,7 @@
             <a:pPr algn="ctr"/>
             <a:r>
               <a:rPr lang="ko-KR" altLang="en-US" sz="1000" dirty="0"/>
-              <a:t>자동재배</a:t>
+              <a:t>화분코드</a:t>
             </a:r>
           </a:p>
         </p:txBody>
@@ -5782,7 +5788,7 @@
         </p:nvSpPr>
         <p:spPr>
           <a:xfrm>
-            <a:off x="8692166" y="3767476"/>
+            <a:off x="9552645" y="3953213"/>
             <a:ext cx="996095" cy="502746"/>
           </a:xfrm>
           <a:prstGeom prst="ellipse">
@@ -5829,7 +5835,7 @@
         </p:nvSpPr>
         <p:spPr>
           <a:xfrm>
-            <a:off x="7755113" y="3435687"/>
+            <a:off x="7493294" y="3522342"/>
             <a:ext cx="996095" cy="502746"/>
           </a:xfrm>
           <a:prstGeom prst="ellipse">
@@ -5857,8 +5863,13 @@
             <a:pPr algn="ctr"/>
             <a:r>
               <a:rPr lang="ko-KR" altLang="en-US" sz="1000" u="sng" dirty="0"/>
-              <a:t>화단코드</a:t>
-            </a:r>
+              <a:t>설정 </a:t>
+            </a:r>
+            <a:r>
+              <a:rPr lang="en-US" altLang="ko-KR" sz="1000" u="sng" dirty="0"/>
+              <a:t>ID</a:t>
+            </a:r>
+            <a:endParaRPr lang="ko-KR" altLang="en-US" sz="1000" u="sng" dirty="0"/>
           </a:p>
         </p:txBody>
       </p:sp>
@@ -5970,7 +5981,7 @@
         </p:nvSpPr>
         <p:spPr>
           <a:xfrm>
-            <a:off x="9890898" y="3621719"/>
+            <a:off x="10744544" y="3965849"/>
             <a:ext cx="996095" cy="502746"/>
           </a:xfrm>
           <a:prstGeom prst="ellipse">
@@ -6066,7 +6077,7 @@
         <p:spPr>
           <a:xfrm flipH="1" flipV="1">
             <a:off x="9677019" y="3188606"/>
-            <a:ext cx="213879" cy="684486"/>
+            <a:ext cx="1067525" cy="1028616"/>
           </a:xfrm>
           <a:prstGeom prst="line">
             <a:avLst/>
@@ -6105,8 +6116,8 @@
         </p:nvCxnSpPr>
         <p:spPr>
           <a:xfrm flipV="1">
-            <a:off x="8253161" y="3188606"/>
-            <a:ext cx="1423858" cy="247081"/>
+            <a:off x="7991342" y="3188606"/>
+            <a:ext cx="1685677" cy="333736"/>
           </a:xfrm>
           <a:prstGeom prst="line">
             <a:avLst/>
@@ -6144,9 +6155,9 @@
           <p:nvPr/>
         </p:nvCxnSpPr>
         <p:spPr>
-          <a:xfrm flipV="1">
-            <a:off x="9190214" y="3188606"/>
-            <a:ext cx="486805" cy="578870"/>
+          <a:xfrm flipH="1" flipV="1">
+            <a:off x="9677019" y="3188606"/>
+            <a:ext cx="373674" cy="764607"/>
           </a:xfrm>
           <a:prstGeom prst="line">
             <a:avLst/>
@@ -6399,7 +6410,7 @@
         </p:nvSpPr>
         <p:spPr>
           <a:xfrm>
-            <a:off x="8809938" y="2913524"/>
+            <a:off x="8801549" y="2930302"/>
             <a:ext cx="249100" cy="276999"/>
           </a:xfrm>
           <a:prstGeom prst="rect">
@@ -6820,7 +6831,7 @@
         </p:nvSpPr>
         <p:spPr>
           <a:xfrm>
-            <a:off x="3469068" y="3512128"/>
+            <a:off x="3435512" y="3461794"/>
             <a:ext cx="249100" cy="276999"/>
           </a:xfrm>
           <a:prstGeom prst="rect">
@@ -6901,8 +6912,13 @@
             <a:pPr algn="ctr"/>
             <a:r>
               <a:rPr lang="ko-KR" altLang="en-US" sz="1000" u="sng" dirty="0"/>
-              <a:t>화분코드</a:t>
-            </a:r>
+              <a:t>제어 </a:t>
+            </a:r>
+            <a:r>
+              <a:rPr lang="en-US" altLang="ko-KR" sz="1000" u="sng" dirty="0"/>
+              <a:t>ID</a:t>
+            </a:r>
+            <a:endParaRPr lang="ko-KR" altLang="en-US" sz="1000" u="sng" dirty="0"/>
           </a:p>
         </p:txBody>
       </p:sp>
@@ -7204,7 +7220,7 @@
         </p:nvSpPr>
         <p:spPr>
           <a:xfrm>
-            <a:off x="7144781" y="1547605"/>
+            <a:off x="7372849" y="1664937"/>
             <a:ext cx="1108379" cy="514716"/>
           </a:xfrm>
           <a:prstGeom prst="diamond">
@@ -7251,7 +7267,7 @@
         </p:nvSpPr>
         <p:spPr>
           <a:xfrm>
-            <a:off x="8771643" y="1217637"/>
+            <a:off x="8931466" y="1320626"/>
             <a:ext cx="1004300" cy="514716"/>
           </a:xfrm>
           <a:prstGeom prst="rect">
@@ -7341,8 +7357,8 @@
         </p:nvCxnSpPr>
         <p:spPr>
           <a:xfrm flipV="1">
-            <a:off x="8253160" y="1474995"/>
-            <a:ext cx="518483" cy="329968"/>
+            <a:off x="8481228" y="1577984"/>
+            <a:ext cx="450238" cy="344311"/>
           </a:xfrm>
           <a:prstGeom prst="line">
             <a:avLst/>
@@ -7377,7 +7393,7 @@
         </p:nvSpPr>
         <p:spPr>
           <a:xfrm>
-            <a:off x="7845466" y="369266"/>
+            <a:off x="7836785" y="300175"/>
             <a:ext cx="996095" cy="502746"/>
           </a:xfrm>
           <a:prstGeom prst="ellipse">
@@ -7405,8 +7421,13 @@
             <a:pPr algn="ctr"/>
             <a:r>
               <a:rPr lang="ko-KR" altLang="en-US" sz="1000" u="sng" dirty="0"/>
-              <a:t>화단코드</a:t>
-            </a:r>
+              <a:t>제어 </a:t>
+            </a:r>
+            <a:r>
+              <a:rPr lang="en-US" altLang="ko-KR" sz="1000" u="sng" dirty="0"/>
+              <a:t>ID</a:t>
+            </a:r>
+            <a:endParaRPr lang="ko-KR" altLang="en-US" sz="1000" u="sng" dirty="0"/>
           </a:p>
         </p:txBody>
       </p:sp>
@@ -7424,7 +7445,7 @@
         </p:nvSpPr>
         <p:spPr>
           <a:xfrm>
-            <a:off x="9079147" y="294898"/>
+            <a:off x="9902266" y="546062"/>
             <a:ext cx="1969454" cy="502746"/>
           </a:xfrm>
           <a:prstGeom prst="ellipse">
@@ -7451,10 +7472,9 @@
           <a:p>
             <a:pPr algn="ctr"/>
             <a:r>
-              <a:rPr lang="ko-KR" altLang="en-US" sz="1000"/>
+              <a:rPr lang="ko-KR" altLang="en-US" sz="1000" dirty="0"/>
               <a:t>수조 밸브 조작 여부</a:t>
             </a:r>
-            <a:endParaRPr lang="ko-KR" altLang="en-US" sz="1000" dirty="0"/>
           </a:p>
         </p:txBody>
       </p:sp>
@@ -7472,7 +7492,7 @@
         </p:nvSpPr>
         <p:spPr>
           <a:xfrm>
-            <a:off x="10288493" y="1055032"/>
+            <a:off x="10406069" y="1213723"/>
             <a:ext cx="1368548" cy="456112"/>
           </a:xfrm>
           <a:prstGeom prst="ellipse">
@@ -7523,7 +7543,7 @@
         </p:nvSpPr>
         <p:spPr>
           <a:xfrm>
-            <a:off x="10288493" y="1733856"/>
+            <a:off x="10621095" y="1750143"/>
             <a:ext cx="1295747" cy="502746"/>
           </a:xfrm>
           <a:prstGeom prst="ellipse">
@@ -7574,8 +7594,8 @@
         </p:nvCxnSpPr>
         <p:spPr>
           <a:xfrm>
-            <a:off x="8343514" y="872012"/>
-            <a:ext cx="930279" cy="345625"/>
+            <a:off x="8334833" y="802921"/>
+            <a:ext cx="1098783" cy="517705"/>
           </a:xfrm>
           <a:prstGeom prst="line">
             <a:avLst/>
@@ -7614,8 +7634,8 @@
         </p:nvCxnSpPr>
         <p:spPr>
           <a:xfrm flipH="1">
-            <a:off x="9273793" y="797644"/>
-            <a:ext cx="790081" cy="419993"/>
+            <a:off x="9433616" y="1048808"/>
+            <a:ext cx="1453377" cy="271818"/>
           </a:xfrm>
           <a:prstGeom prst="line">
             <a:avLst/>
@@ -7647,15 +7667,13 @@
           </p:cNvPr>
           <p:cNvCxnSpPr>
             <a:cxnSpLocks/>
-            <a:stCxn id="79" idx="2"/>
-            <a:endCxn id="67" idx="3"/>
           </p:cNvCxnSpPr>
           <p:nvPr/>
         </p:nvCxnSpPr>
         <p:spPr>
           <a:xfrm flipH="1">
-            <a:off x="9775943" y="1283088"/>
-            <a:ext cx="512550" cy="191907"/>
+            <a:off x="9935766" y="1467483"/>
+            <a:ext cx="470303" cy="136205"/>
           </a:xfrm>
           <a:prstGeom prst="line">
             <a:avLst/>
@@ -7690,7 +7708,7 @@
         </p:nvSpPr>
         <p:spPr>
           <a:xfrm>
-            <a:off x="8489315" y="1213723"/>
+            <a:off x="8676945" y="1312658"/>
             <a:ext cx="249100" cy="276999"/>
           </a:xfrm>
           <a:prstGeom prst="rect">
@@ -7723,9 +7741,8 @@
           <a:p>
             <a:r>
               <a:rPr lang="en-US" altLang="ko-KR" sz="1200" dirty="0"/>
-              <a:t>1</a:t>
-            </a:r>
-            <a:endParaRPr lang="ko-KR" altLang="en-US" sz="1200" dirty="0"/>
+              <a:t>N</a:t>
+            </a:r>
           </a:p>
         </p:txBody>
       </p:sp>
@@ -7746,8 +7763,422 @@
         </p:nvCxnSpPr>
         <p:spPr>
           <a:xfrm flipH="1" flipV="1">
-            <a:off x="9783958" y="1738603"/>
-            <a:ext cx="504535" cy="246626"/>
+            <a:off x="9945133" y="1745266"/>
+            <a:ext cx="675962" cy="256250"/>
+          </a:xfrm>
+          <a:prstGeom prst="line">
+            <a:avLst/>
+          </a:prstGeom>
+        </p:spPr>
+        <p:style>
+          <a:lnRef idx="1">
+            <a:schemeClr val="accent3"/>
+          </a:lnRef>
+          <a:fillRef idx="2">
+            <a:schemeClr val="accent3"/>
+          </a:fillRef>
+          <a:effectRef idx="1">
+            <a:schemeClr val="accent3"/>
+          </a:effectRef>
+          <a:fontRef idx="minor">
+            <a:schemeClr val="dk1"/>
+          </a:fontRef>
+        </p:style>
+      </p:cxnSp>
+      <p:sp>
+        <p:nvSpPr>
+          <p:cNvPr id="114" name="TextBox 113">
+            <a:extLst>
+              <a:ext uri="{FF2B5EF4-FFF2-40B4-BE49-F238E27FC236}">
+                <a16:creationId xmlns:a16="http://schemas.microsoft.com/office/drawing/2014/main" id="{423D5BF7-D005-435C-90A0-ADD902A92675}"/>
+              </a:ext>
+            </a:extLst>
+          </p:cNvPr>
+          <p:cNvSpPr txBox="1"/>
+          <p:nvPr/>
+        </p:nvSpPr>
+        <p:spPr>
+          <a:xfrm>
+            <a:off x="6876479" y="4817346"/>
+            <a:ext cx="249100" cy="276999"/>
+          </a:xfrm>
+          <a:prstGeom prst="rect">
+            <a:avLst/>
+          </a:prstGeom>
+          <a:noFill/>
+          <a:ln>
+            <a:noFill/>
+          </a:ln>
+        </p:spPr>
+        <p:style>
+          <a:lnRef idx="0">
+            <a:scrgbClr r="0" g="0" b="0"/>
+          </a:lnRef>
+          <a:fillRef idx="0">
+            <a:scrgbClr r="0" g="0" b="0"/>
+          </a:fillRef>
+          <a:effectRef idx="0">
+            <a:scrgbClr r="0" g="0" b="0"/>
+          </a:effectRef>
+          <a:fontRef idx="minor">
+            <a:schemeClr val="dk1"/>
+          </a:fontRef>
+        </p:style>
+        <p:txBody>
+          <a:bodyPr wrap="square" rtlCol="0">
+            <a:spAutoFit/>
+          </a:bodyPr>
+          <a:lstStyle/>
+          <a:p>
+            <a:r>
+              <a:rPr lang="en-US" altLang="ko-KR" sz="1200" dirty="0"/>
+              <a:t>1</a:t>
+            </a:r>
+            <a:endParaRPr lang="ko-KR" altLang="en-US" sz="1200" dirty="0"/>
+          </a:p>
+        </p:txBody>
+      </p:sp>
+      <p:sp>
+        <p:nvSpPr>
+          <p:cNvPr id="116" name="TextBox 115">
+            <a:extLst>
+              <a:ext uri="{FF2B5EF4-FFF2-40B4-BE49-F238E27FC236}">
+                <a16:creationId xmlns:a16="http://schemas.microsoft.com/office/drawing/2014/main" id="{31D4317E-E57E-4A9F-857D-06EBDED4F42C}"/>
+              </a:ext>
+            </a:extLst>
+          </p:cNvPr>
+          <p:cNvSpPr txBox="1"/>
+          <p:nvPr/>
+        </p:nvSpPr>
+        <p:spPr>
+          <a:xfrm>
+            <a:off x="8708330" y="5201543"/>
+            <a:ext cx="249100" cy="276999"/>
+          </a:xfrm>
+          <a:prstGeom prst="rect">
+            <a:avLst/>
+          </a:prstGeom>
+          <a:noFill/>
+          <a:ln>
+            <a:noFill/>
+          </a:ln>
+        </p:spPr>
+        <p:style>
+          <a:lnRef idx="0">
+            <a:scrgbClr r="0" g="0" b="0"/>
+          </a:lnRef>
+          <a:fillRef idx="0">
+            <a:scrgbClr r="0" g="0" b="0"/>
+          </a:fillRef>
+          <a:effectRef idx="0">
+            <a:scrgbClr r="0" g="0" b="0"/>
+          </a:effectRef>
+          <a:fontRef idx="minor">
+            <a:schemeClr val="dk1"/>
+          </a:fontRef>
+        </p:style>
+        <p:txBody>
+          <a:bodyPr wrap="square" rtlCol="0">
+            <a:spAutoFit/>
+          </a:bodyPr>
+          <a:lstStyle/>
+          <a:p>
+            <a:r>
+              <a:rPr lang="en-US" altLang="ko-KR" sz="1200" dirty="0"/>
+              <a:t>N</a:t>
+            </a:r>
+            <a:endParaRPr lang="ko-KR" altLang="en-US" sz="1200" dirty="0"/>
+          </a:p>
+        </p:txBody>
+      </p:sp>
+      <p:sp>
+        <p:nvSpPr>
+          <p:cNvPr id="117" name="타원 116">
+            <a:extLst>
+              <a:ext uri="{FF2B5EF4-FFF2-40B4-BE49-F238E27FC236}">
+                <a16:creationId xmlns:a16="http://schemas.microsoft.com/office/drawing/2014/main" id="{5E9D4C80-405F-43DE-A756-4130D12E5F4E}"/>
+              </a:ext>
+            </a:extLst>
+          </p:cNvPr>
+          <p:cNvSpPr/>
+          <p:nvPr/>
+        </p:nvSpPr>
+        <p:spPr>
+          <a:xfrm>
+            <a:off x="8473246" y="4561502"/>
+            <a:ext cx="1055763" cy="502746"/>
+          </a:xfrm>
+          <a:prstGeom prst="ellipse">
+            <a:avLst/>
+          </a:prstGeom>
+        </p:spPr>
+        <p:style>
+          <a:lnRef idx="1">
+            <a:schemeClr val="accent3"/>
+          </a:lnRef>
+          <a:fillRef idx="2">
+            <a:schemeClr val="accent3"/>
+          </a:fillRef>
+          <a:effectRef idx="1">
+            <a:schemeClr val="accent3"/>
+          </a:effectRef>
+          <a:fontRef idx="minor">
+            <a:schemeClr val="dk1"/>
+          </a:fontRef>
+        </p:style>
+        <p:txBody>
+          <a:bodyPr rtlCol="0" anchor="ctr"/>
+          <a:lstStyle/>
+          <a:p>
+            <a:pPr algn="ctr"/>
+            <a:r>
+              <a:rPr lang="ko-KR" altLang="en-US" sz="1000" dirty="0"/>
+              <a:t>화분 코드</a:t>
+            </a:r>
+          </a:p>
+        </p:txBody>
+      </p:sp>
+      <p:cxnSp>
+        <p:nvCxnSpPr>
+          <p:cNvPr id="118" name="직선 연결선 117">
+            <a:extLst>
+              <a:ext uri="{FF2B5EF4-FFF2-40B4-BE49-F238E27FC236}">
+                <a16:creationId xmlns:a16="http://schemas.microsoft.com/office/drawing/2014/main" id="{86D307D9-22CB-43C7-B66B-BF0DF0138A32}"/>
+              </a:ext>
+            </a:extLst>
+          </p:cNvPr>
+          <p:cNvCxnSpPr>
+            <a:cxnSpLocks/>
+            <a:stCxn id="117" idx="4"/>
+            <a:endCxn id="13" idx="0"/>
+          </p:cNvCxnSpPr>
+          <p:nvPr/>
+        </p:nvCxnSpPr>
+        <p:spPr>
+          <a:xfrm>
+            <a:off x="9001128" y="5064248"/>
+            <a:ext cx="445957" cy="257993"/>
+          </a:xfrm>
+          <a:prstGeom prst="line">
+            <a:avLst/>
+          </a:prstGeom>
+        </p:spPr>
+        <p:style>
+          <a:lnRef idx="1">
+            <a:schemeClr val="accent3"/>
+          </a:lnRef>
+          <a:fillRef idx="2">
+            <a:schemeClr val="accent3"/>
+          </a:fillRef>
+          <a:effectRef idx="1">
+            <a:schemeClr val="accent3"/>
+          </a:effectRef>
+          <a:fontRef idx="minor">
+            <a:schemeClr val="dk1"/>
+          </a:fontRef>
+        </p:style>
+      </p:cxnSp>
+      <p:sp>
+        <p:nvSpPr>
+          <p:cNvPr id="119" name="타원 118">
+            <a:extLst>
+              <a:ext uri="{FF2B5EF4-FFF2-40B4-BE49-F238E27FC236}">
+                <a16:creationId xmlns:a16="http://schemas.microsoft.com/office/drawing/2014/main" id="{7384E264-30D3-4043-8046-FED22EBE359A}"/>
+              </a:ext>
+            </a:extLst>
+          </p:cNvPr>
+          <p:cNvSpPr/>
+          <p:nvPr/>
+        </p:nvSpPr>
+        <p:spPr>
+          <a:xfrm>
+            <a:off x="126479" y="4153837"/>
+            <a:ext cx="1055763" cy="502746"/>
+          </a:xfrm>
+          <a:prstGeom prst="ellipse">
+            <a:avLst/>
+          </a:prstGeom>
+        </p:spPr>
+        <p:style>
+          <a:lnRef idx="1">
+            <a:schemeClr val="accent3"/>
+          </a:lnRef>
+          <a:fillRef idx="2">
+            <a:schemeClr val="accent3"/>
+          </a:fillRef>
+          <a:effectRef idx="1">
+            <a:schemeClr val="accent3"/>
+          </a:effectRef>
+          <a:fontRef idx="minor">
+            <a:schemeClr val="dk1"/>
+          </a:fontRef>
+        </p:style>
+        <p:txBody>
+          <a:bodyPr rtlCol="0" anchor="ctr"/>
+          <a:lstStyle/>
+          <a:p>
+            <a:pPr algn="ctr"/>
+            <a:r>
+              <a:rPr lang="ko-KR" altLang="en-US" sz="1000" dirty="0"/>
+              <a:t>자동재배</a:t>
+            </a:r>
+          </a:p>
+        </p:txBody>
+      </p:sp>
+      <p:sp>
+        <p:nvSpPr>
+          <p:cNvPr id="127" name="타원 126">
+            <a:extLst>
+              <a:ext uri="{FF2B5EF4-FFF2-40B4-BE49-F238E27FC236}">
+                <a16:creationId xmlns:a16="http://schemas.microsoft.com/office/drawing/2014/main" id="{B8FB8A7D-38A1-4EAA-8639-C335167EDED6}"/>
+              </a:ext>
+            </a:extLst>
+          </p:cNvPr>
+          <p:cNvSpPr/>
+          <p:nvPr/>
+        </p:nvSpPr>
+        <p:spPr>
+          <a:xfrm>
+            <a:off x="8894207" y="242450"/>
+            <a:ext cx="996095" cy="502746"/>
+          </a:xfrm>
+          <a:prstGeom prst="ellipse">
+            <a:avLst/>
+          </a:prstGeom>
+        </p:spPr>
+        <p:style>
+          <a:lnRef idx="1">
+            <a:schemeClr val="accent3"/>
+          </a:lnRef>
+          <a:fillRef idx="2">
+            <a:schemeClr val="accent3"/>
+          </a:fillRef>
+          <a:effectRef idx="1">
+            <a:schemeClr val="accent3"/>
+          </a:effectRef>
+          <a:fontRef idx="minor">
+            <a:schemeClr val="dk1"/>
+          </a:fontRef>
+        </p:style>
+        <p:txBody>
+          <a:bodyPr rtlCol="0" anchor="ctr"/>
+          <a:lstStyle/>
+          <a:p>
+            <a:pPr algn="ctr"/>
+            <a:r>
+              <a:rPr lang="ko-KR" altLang="en-US" sz="1000" dirty="0"/>
+              <a:t>화단코드</a:t>
+            </a:r>
+          </a:p>
+        </p:txBody>
+      </p:sp>
+      <p:cxnSp>
+        <p:nvCxnSpPr>
+          <p:cNvPr id="128" name="직선 연결선 127">
+            <a:extLst>
+              <a:ext uri="{FF2B5EF4-FFF2-40B4-BE49-F238E27FC236}">
+                <a16:creationId xmlns:a16="http://schemas.microsoft.com/office/drawing/2014/main" id="{CB66F94C-473C-42A1-8CD9-AA6DB622D79C}"/>
+              </a:ext>
+            </a:extLst>
+          </p:cNvPr>
+          <p:cNvCxnSpPr>
+            <a:cxnSpLocks/>
+            <a:stCxn id="127" idx="4"/>
+            <a:endCxn id="67" idx="0"/>
+          </p:cNvCxnSpPr>
+          <p:nvPr/>
+        </p:nvCxnSpPr>
+        <p:spPr>
+          <a:xfrm>
+            <a:off x="9392255" y="745196"/>
+            <a:ext cx="41361" cy="575430"/>
+          </a:xfrm>
+          <a:prstGeom prst="line">
+            <a:avLst/>
+          </a:prstGeom>
+        </p:spPr>
+        <p:style>
+          <a:lnRef idx="1">
+            <a:schemeClr val="accent3"/>
+          </a:lnRef>
+          <a:fillRef idx="2">
+            <a:schemeClr val="accent3"/>
+          </a:fillRef>
+          <a:effectRef idx="1">
+            <a:schemeClr val="accent3"/>
+          </a:effectRef>
+          <a:fontRef idx="minor">
+            <a:schemeClr val="dk1"/>
+          </a:fontRef>
+        </p:style>
+      </p:cxnSp>
+      <p:sp>
+        <p:nvSpPr>
+          <p:cNvPr id="136" name="타원 135">
+            <a:extLst>
+              <a:ext uri="{FF2B5EF4-FFF2-40B4-BE49-F238E27FC236}">
+                <a16:creationId xmlns:a16="http://schemas.microsoft.com/office/drawing/2014/main" id="{4A8C6737-55AB-4B44-9621-8B8D84AB821E}"/>
+              </a:ext>
+            </a:extLst>
+          </p:cNvPr>
+          <p:cNvSpPr/>
+          <p:nvPr/>
+        </p:nvSpPr>
+        <p:spPr>
+          <a:xfrm>
+            <a:off x="8521933" y="3785321"/>
+            <a:ext cx="996095" cy="502746"/>
+          </a:xfrm>
+          <a:prstGeom prst="ellipse">
+            <a:avLst/>
+          </a:prstGeom>
+        </p:spPr>
+        <p:style>
+          <a:lnRef idx="1">
+            <a:schemeClr val="accent3"/>
+          </a:lnRef>
+          <a:fillRef idx="2">
+            <a:schemeClr val="accent3"/>
+          </a:fillRef>
+          <a:effectRef idx="1">
+            <a:schemeClr val="accent3"/>
+          </a:effectRef>
+          <a:fontRef idx="minor">
+            <a:schemeClr val="dk1"/>
+          </a:fontRef>
+        </p:style>
+        <p:txBody>
+          <a:bodyPr rtlCol="0" anchor="ctr"/>
+          <a:lstStyle/>
+          <a:p>
+            <a:pPr algn="ctr"/>
+            <a:r>
+              <a:rPr lang="ko-KR" altLang="en-US" sz="1000" dirty="0"/>
+              <a:t>화단코드</a:t>
+            </a:r>
+          </a:p>
+        </p:txBody>
+      </p:sp>
+      <p:cxnSp>
+        <p:nvCxnSpPr>
+          <p:cNvPr id="138" name="직선 연결선 137">
+            <a:extLst>
+              <a:ext uri="{FF2B5EF4-FFF2-40B4-BE49-F238E27FC236}">
+                <a16:creationId xmlns:a16="http://schemas.microsoft.com/office/drawing/2014/main" id="{88220049-B9E9-4277-80B3-7823C846B58B}"/>
+              </a:ext>
+            </a:extLst>
+          </p:cNvPr>
+          <p:cNvCxnSpPr>
+            <a:cxnSpLocks/>
+            <a:stCxn id="136" idx="0"/>
+            <a:endCxn id="180" idx="2"/>
+          </p:cNvCxnSpPr>
+          <p:nvPr/>
+        </p:nvCxnSpPr>
+        <p:spPr>
+          <a:xfrm flipV="1">
+            <a:off x="9019981" y="3188606"/>
+            <a:ext cx="657038" cy="596715"/>
           </a:xfrm>
           <a:prstGeom prst="line">
             <a:avLst/>
